--- a/InfoSec/PPTs/L11-CH10-Buffer Overflow.pptx
+++ b/InfoSec/PPTs/L11-CH10-Buffer Overflow.pptx
@@ -5,10 +5,10 @@
     <p:sldMasterId id="2147483878" r:id="rId1"/>
   </p:sldMasterIdLst>
   <p:notesMasterIdLst>
-    <p:notesMasterId r:id="rId29"/>
+    <p:notesMasterId r:id="rId31"/>
   </p:notesMasterIdLst>
   <p:handoutMasterIdLst>
-    <p:handoutMasterId r:id="rId30"/>
+    <p:handoutMasterId r:id="rId32"/>
   </p:handoutMasterIdLst>
   <p:sldIdLst>
     <p:sldId id="384" r:id="rId2"/>
@@ -33,11 +33,13 @@
     <p:sldId id="383" r:id="rId21"/>
     <p:sldId id="408" r:id="rId22"/>
     <p:sldId id="409" r:id="rId23"/>
-    <p:sldId id="386" r:id="rId24"/>
-    <p:sldId id="444" r:id="rId25"/>
-    <p:sldId id="390" r:id="rId26"/>
-    <p:sldId id="392" r:id="rId27"/>
-    <p:sldId id="416" r:id="rId28"/>
+    <p:sldId id="446" r:id="rId24"/>
+    <p:sldId id="445" r:id="rId25"/>
+    <p:sldId id="386" r:id="rId26"/>
+    <p:sldId id="444" r:id="rId27"/>
+    <p:sldId id="390" r:id="rId28"/>
+    <p:sldId id="392" r:id="rId29"/>
+    <p:sldId id="416" r:id="rId30"/>
   </p:sldIdLst>
   <p:sldSz cx="9144000" cy="6858000" type="screen4x3"/>
   <p:notesSz cx="6858000" cy="9144000"/>
@@ -193,6 +195,8 @@
             <p14:sldId id="383"/>
             <p14:sldId id="408"/>
             <p14:sldId id="409"/>
+            <p14:sldId id="446"/>
+            <p14:sldId id="445"/>
             <p14:sldId id="386"/>
             <p14:sldId id="444"/>
             <p14:sldId id="390"/>
@@ -329,7 +333,7 @@
             <a:fld id="{999DDEF9-8F79-3F4A-8C1A-CB2E900DCD92}" type="datetimeFigureOut">
               <a:rPr lang="en-US" smtClean="0"/>
               <a:pPr/>
-              <a:t>4/22/2020</a:t>
+              <a:t>4/26/2020</a:t>
             </a:fld>
             <a:endParaRPr lang="en-US"/>
           </a:p>
@@ -6688,6 +6692,67 @@
           </a:bodyPr>
           <a:lstStyle/>
           <a:p>
+            <a:endParaRPr lang="en-US" altLang="zh-CN" sz="2800" dirty="0"/>
+          </a:p>
+          <a:p>
+            <a:r>
+              <a:rPr lang="en-US" altLang="zh-CN" sz="2800" dirty="0"/>
+              <a:t>Added function entry code </a:t>
+            </a:r>
+            <a:r>
+              <a:rPr lang="en-US" sz="2800" dirty="0"/>
+              <a:t>writes a random canary value below the old frame pointer address, before the allocation of space for local variables </a:t>
+            </a:r>
+          </a:p>
+          <a:p>
+            <a:r>
+              <a:rPr lang="en-US" sz="2800" dirty="0"/>
+              <a:t>Overwriting return address will always overwrite the canary value first</a:t>
+            </a:r>
+          </a:p>
+          <a:p>
+            <a:r>
+              <a:rPr lang="en-US" altLang="zh-CN" sz="2800" dirty="0"/>
+              <a:t>A</a:t>
+            </a:r>
+            <a:r>
+              <a:rPr lang="en-US" sz="2800" dirty="0"/>
+              <a:t>dded function exit code checks that the canary value has not changed</a:t>
+            </a:r>
+          </a:p>
+          <a:p>
+            <a:endParaRPr lang="en-US" sz="2800" dirty="0"/>
+          </a:p>
+          <a:p>
+            <a:r>
+              <a:rPr lang="en-US" sz="2800" dirty="0"/>
+              <a:t>Insert function entry and exit code to check stack for signs of corruption</a:t>
+            </a:r>
+          </a:p>
+          <a:p>
+            <a:r>
+              <a:rPr lang="en-US" sz="2800" dirty="0"/>
+              <a:t>Insert additional function entry and exit code</a:t>
+            </a:r>
+          </a:p>
+          <a:p>
+            <a:pPr lvl="1"/>
+            <a:r>
+              <a:rPr lang="en-US" sz="2600" dirty="0" err="1"/>
+              <a:t>Stackguard</a:t>
+            </a:r>
+            <a:r>
+              <a:rPr lang="en-US" sz="2600" dirty="0"/>
+              <a:t> </a:t>
+            </a:r>
+          </a:p>
+          <a:p>
+            <a:pPr>
+              <a:defRPr/>
+            </a:pPr>
+            <a:endParaRPr lang="en-US" sz="1200" dirty="0"/>
+          </a:p>
+          <a:p>
             <a:pPr>
               <a:defRPr/>
             </a:pPr>
@@ -8693,7 +8758,7 @@
             <a:fld id="{0B1EB765-203E-4D4E-B1AC-1D7F98B5943F}" type="slidenum">
               <a:rPr lang="en-AU"/>
               <a:pPr/>
-              <a:t>23</a:t>
+              <a:t>25</a:t>
             </a:fld>
             <a:endParaRPr lang="en-AU"/>
           </a:p>
@@ -9366,7 +9431,7 @@
             <a:fld id="{F8560DBF-F109-8946-ADF0-EE66B221E988}" type="slidenum">
               <a:rPr lang="en-AU" smtClean="0"/>
               <a:pPr/>
-              <a:t>24</a:t>
+              <a:t>26</a:t>
             </a:fld>
             <a:endParaRPr lang="en-AU" dirty="0"/>
           </a:p>
@@ -9422,7 +9487,7 @@
             <a:fld id="{B88D4C3A-9F86-AF4A-B6DF-2F6D8A073576}" type="slidenum">
               <a:rPr lang="en-AU"/>
               <a:pPr/>
-              <a:t>25</a:t>
+              <a:t>27</a:t>
             </a:fld>
             <a:endParaRPr lang="en-AU"/>
           </a:p>
@@ -9767,7 +9832,7 @@
             <a:fld id="{352AC19F-B027-004B-B2C5-DEDE9E41592E}" type="slidenum">
               <a:rPr lang="en-AU"/>
               <a:pPr/>
-              <a:t>26</a:t>
+              <a:t>28</a:t>
             </a:fld>
             <a:endParaRPr lang="en-AU"/>
           </a:p>
@@ -10016,7 +10081,7 @@
             <a:fld id="{F8560DBF-F109-8946-ADF0-EE66B221E988}" type="slidenum">
               <a:rPr lang="en-AU" smtClean="0"/>
               <a:pPr/>
-              <a:t>27</a:t>
+              <a:t>29</a:t>
             </a:fld>
             <a:endParaRPr lang="en-AU" dirty="0"/>
           </a:p>
@@ -16310,8 +16375,8 @@
         </p:nvSpPr>
         <p:spPr>
           <a:xfrm>
-            <a:off x="8140132" y="837502"/>
-            <a:ext cx="646331" cy="369332"/>
+            <a:off x="8195799" y="872354"/>
+            <a:ext cx="909223" cy="369332"/>
           </a:xfrm>
           <a:prstGeom prst="rect">
             <a:avLst/>
@@ -16325,8 +16390,8 @@
           <a:p>
             <a:pPr algn="ctr"/>
             <a:r>
-              <a:rPr lang="en-US" altLang="zh-CN" dirty="0" err="1"/>
-              <a:t>addr</a:t>
+              <a:rPr lang="en-US" altLang="zh-CN" dirty="0"/>
+              <a:t>addr+4</a:t>
             </a:r>
             <a:endParaRPr lang="zh-CN" altLang="en-US" dirty="0"/>
           </a:p>
@@ -16346,8 +16411,8 @@
         </p:nvSpPr>
         <p:spPr>
           <a:xfrm>
-            <a:off x="8140337" y="1339118"/>
-            <a:ext cx="909223" cy="369332"/>
+            <a:off x="8271783" y="1339118"/>
+            <a:ext cx="646331" cy="369332"/>
           </a:xfrm>
           <a:prstGeom prst="rect">
             <a:avLst/>
@@ -16369,8 +16434,8 @@
               <a:defRPr/>
             </a:pPr>
             <a:r>
-              <a:rPr lang="en-US" altLang="zh-CN" dirty="0"/>
-              <a:t>addr+4</a:t>
+              <a:rPr lang="en-US" altLang="zh-CN" dirty="0" err="1"/>
+              <a:t>addr</a:t>
             </a:r>
             <a:endParaRPr lang="zh-CN" altLang="en-US" dirty="0"/>
           </a:p>
@@ -17173,7 +17238,7 @@
             <a:pPr lvl="1"/>
             <a:r>
               <a:rPr lang="en-US" sz="2400" dirty="0"/>
-              <a:t>Return address is overwritten often to jump to shellcode.</a:t>
+              <a:t>Return address is overwritten to jump to shellcode, which is typically put on the stack by attacker.</a:t>
             </a:r>
           </a:p>
           <a:p>
@@ -18909,7 +18974,7 @@
             </a:pPr>
             <a:r>
               <a:rPr lang="en-US" sz="2400" dirty="0"/>
-              <a:t>The compiler can be augmented to automatically insert range checks on references to arrays and pointers. While easy for statically allocated arrays, dynamically memory allocation is harder because the size information is not available at compile time</a:t>
+              <a:t>The compiler can be augmented to automatically insert range checks on references to arrays and pointers. While easy for statically allocated arrays, dynamically memory allocation is harder as size information is not available at compile time</a:t>
             </a:r>
           </a:p>
           <a:p>
@@ -19404,6 +19469,40 @@
           <a:chExt cx="0" cy="0"/>
         </a:xfrm>
       </p:grpSpPr>
+      <p:pic>
+        <p:nvPicPr>
+          <p:cNvPr id="15" name="Shape 326">
+            <a:extLst>
+              <a:ext uri="{FF2B5EF4-FFF2-40B4-BE49-F238E27FC236}">
+                <a16:creationId xmlns:a16="http://schemas.microsoft.com/office/drawing/2014/main" id="{9A7E72B5-CE57-4190-AB8D-71AC398E8521}"/>
+              </a:ext>
+            </a:extLst>
+          </p:cNvPr>
+          <p:cNvPicPr preferRelativeResize="0"/>
+          <p:nvPr/>
+        </p:nvPicPr>
+        <p:blipFill>
+          <a:blip r:embed="rId3">
+            <a:alphaModFix/>
+          </a:blip>
+          <a:stretch>
+            <a:fillRect/>
+          </a:stretch>
+        </p:blipFill>
+        <p:spPr>
+          <a:xfrm>
+            <a:off x="5542636" y="3742569"/>
+            <a:ext cx="3601364" cy="3080391"/>
+          </a:xfrm>
+          <a:prstGeom prst="rect">
+            <a:avLst/>
+          </a:prstGeom>
+          <a:noFill/>
+          <a:ln>
+            <a:noFill/>
+          </a:ln>
+        </p:spPr>
+      </p:pic>
       <p:sp>
         <p:nvSpPr>
           <p:cNvPr id="249858" name="Rectangle 2"/>
@@ -19414,7 +19513,12 @@
             <p:ph type="title"/>
           </p:nvPr>
         </p:nvSpPr>
-        <p:spPr/>
+        <p:spPr>
+          <a:xfrm>
+            <a:off x="350422" y="43039"/>
+            <a:ext cx="8568952" cy="868362"/>
+          </a:xfrm>
+        </p:spPr>
         <p:txBody>
           <a:bodyPr>
             <a:noAutofit/>
@@ -19430,7 +19534,7 @@
             </a:br>
             <a:r>
               <a:rPr lang="en-US" altLang="en-US" sz="3600" dirty="0"/>
-              <a:t>Stack Protection</a:t>
+              <a:t>Stack Guard</a:t>
             </a:r>
           </a:p>
         </p:txBody>
@@ -19447,69 +19551,47 @@
         </p:nvSpPr>
         <p:spPr>
           <a:xfrm>
-            <a:off x="0" y="1196753"/>
-            <a:ext cx="7350369" cy="4955574"/>
+            <a:off x="76200" y="1003214"/>
+            <a:ext cx="5769363" cy="4477906"/>
           </a:xfrm>
         </p:spPr>
         <p:txBody>
           <a:bodyPr>
-            <a:normAutofit lnSpcReduction="10000"/>
+            <a:normAutofit fontScale="85000" lnSpcReduction="20000"/>
           </a:bodyPr>
           <a:lstStyle/>
           <a:p>
             <a:r>
-              <a:rPr lang="en-US" sz="2800" dirty="0"/>
-              <a:t>Add function entry and exit code to check stack for signs of corruption</a:t>
-            </a:r>
-          </a:p>
-          <a:p>
-            <a:r>
-              <a:rPr lang="en-US" sz="2800" dirty="0"/>
-              <a:t>GCC extensions that insert additional function entry and exit code</a:t>
-            </a:r>
-          </a:p>
-          <a:p>
-            <a:pPr lvl="1"/>
-            <a:r>
-              <a:rPr lang="en-US" sz="2600" dirty="0" err="1"/>
-              <a:t>Stackguard</a:t>
-            </a:r>
-            <a:r>
-              <a:rPr lang="en-US" sz="2600" dirty="0"/>
-              <a:t> </a:t>
-            </a:r>
-          </a:p>
-          <a:p>
-            <a:pPr lvl="2"/>
-            <a:r>
-              <a:rPr lang="en-US" altLang="zh-CN" sz="2200" dirty="0"/>
-              <a:t>Added function entry code </a:t>
-            </a:r>
-            <a:r>
-              <a:rPr lang="en-US" sz="2200" dirty="0"/>
-              <a:t>writes a random canary value below the old frame pointer address, before the allocation of space for local variables </a:t>
-            </a:r>
-          </a:p>
-          <a:p>
-            <a:pPr lvl="2"/>
-            <a:r>
-              <a:rPr lang="en-US" sz="2200" dirty="0"/>
-              <a:t>Overwriting return address will always overwrite the canary value first</a:t>
-            </a:r>
-          </a:p>
-          <a:p>
-            <a:pPr lvl="2"/>
-            <a:r>
-              <a:rPr lang="en-US" altLang="zh-CN" sz="2200"/>
-              <a:t>A</a:t>
-            </a:r>
-            <a:r>
-              <a:rPr lang="en-US" sz="2200"/>
-              <a:t>dded </a:t>
-            </a:r>
-            <a:r>
-              <a:rPr lang="en-US" sz="2200" dirty="0"/>
-              <a:t>function exit code checks that the canary value has not changed</a:t>
+              <a:rPr lang="en-US" sz="3200" dirty="0"/>
+              <a:t>Compiler stores a random secret value (</a:t>
+            </a:r>
+            <a:r>
+              <a:rPr lang="en-US" sz="3200" dirty="0">
+                <a:latin typeface="Courier New" panose="02070309020205020404" pitchFamily="49" charset="0"/>
+                <a:cs typeface="Courier New" panose="02070309020205020404" pitchFamily="49" charset="0"/>
+              </a:rPr>
+              <a:t>secret</a:t>
+            </a:r>
+            <a:r>
+              <a:rPr lang="en-US" sz="3200" dirty="0"/>
+              <a:t>) in a memory location (in the heap, not on stack), which is assigned to a local variable of the function (</a:t>
+            </a:r>
+            <a:r>
+              <a:rPr lang="en-US" sz="3200" dirty="0">
+                <a:latin typeface="Courier New" panose="02070309020205020404" pitchFamily="49" charset="0"/>
+                <a:cs typeface="Courier New" panose="02070309020205020404" pitchFamily="49" charset="0"/>
+              </a:rPr>
+              <a:t>guard</a:t>
+            </a:r>
+            <a:r>
+              <a:rPr lang="en-US" sz="3200" dirty="0"/>
+              <a:t>) which gets stored in the stack. </a:t>
+            </a:r>
+          </a:p>
+          <a:p>
+            <a:r>
+              <a:rPr lang="en-US" sz="3200" dirty="0"/>
+              <a:t>Before jumping to the return address, check if the value of the local variable is changed. If yes, buffer overflow has taken place and the program exits without returning.</a:t>
             </a:r>
           </a:p>
         </p:txBody>
@@ -19729,454 +19811,74 @@
           </a:p>
         </p:txBody>
       </p:sp>
-      <p:sp>
-        <p:nvSpPr>
-          <p:cNvPr id="22" name="Rectangle 13">
+      <p:pic>
+        <p:nvPicPr>
+          <p:cNvPr id="14" name="Shape 327">
             <a:extLst>
               <a:ext uri="{FF2B5EF4-FFF2-40B4-BE49-F238E27FC236}">
-                <a16:creationId xmlns:a16="http://schemas.microsoft.com/office/drawing/2014/main" id="{9ED7758E-04D9-499F-8C1C-71FA9BE3031E}"/>
+                <a16:creationId xmlns:a16="http://schemas.microsoft.com/office/drawing/2014/main" id="{F16CDEF6-16BC-48F3-9161-620887C2C8EB}"/>
               </a:ext>
             </a:extLst>
           </p:cNvPr>
-          <p:cNvSpPr>
-            <a:spLocks noChangeArrowheads="1"/>
-          </p:cNvSpPr>
+          <p:cNvPicPr preferRelativeResize="0"/>
           <p:nvPr/>
-        </p:nvSpPr>
-        <p:spPr bwMode="auto">
+        </p:nvPicPr>
+        <p:blipFill>
+          <a:blip r:embed="rId4">
+            <a:alphaModFix/>
+          </a:blip>
+          <a:stretch>
+            <a:fillRect/>
+          </a:stretch>
+        </p:blipFill>
+        <p:spPr>
           <a:xfrm>
-            <a:off x="7266880" y="2533308"/>
-            <a:ext cx="1625600" cy="3352800"/>
+            <a:off x="5994173" y="928920"/>
+            <a:ext cx="3007113" cy="2809392"/>
           </a:xfrm>
           <a:prstGeom prst="rect">
             <a:avLst/>
           </a:prstGeom>
-          <a:solidFill>
-            <a:srgbClr val="CCFFFF"/>
-          </a:solidFill>
-          <a:ln w="9525">
-            <a:solidFill>
-              <a:srgbClr val="000000"/>
-            </a:solidFill>
-            <a:miter lim="800000"/>
-            <a:headEnd/>
-            <a:tailEnd/>
+          <a:noFill/>
+          <a:ln>
+            <a:noFill/>
           </a:ln>
-          <a:effectLst/>
-          <a:extLst>
-            <a:ext uri="{AF507438-7753-43e0-B8FC-AC1667EBCBE1}">
-              <a14:hiddenEffects xmlns="" xmlns:a14="http://schemas.microsoft.com/office/drawing/2010/main">
-                <a:effectLst>
-                  <a:outerShdw blurRad="63500" dist="38099" dir="2700000" algn="ctr" rotWithShape="0">
-                    <a:schemeClr val="bg2">
-                      <a:alpha val="74998"/>
-                    </a:schemeClr>
-                  </a:outerShdw>
-                </a:effectLst>
-              </a14:hiddenEffects>
-            </a:ext>
-          </a:extLst>
         </p:spPr>
-        <p:txBody>
-          <a:bodyPr wrap="none" anchor="ctr"/>
-          <a:lstStyle/>
-          <a:p>
-            <a:pPr>
-              <a:defRPr/>
-            </a:pPr>
-            <a:endParaRPr lang="en-US" sz="1600"/>
-          </a:p>
-        </p:txBody>
-      </p:sp>
-      <p:sp>
-        <p:nvSpPr>
-          <p:cNvPr id="23" name="Rectangle 14">
+      </p:pic>
+      <p:pic>
+        <p:nvPicPr>
+          <p:cNvPr id="16" name="Shape 334">
             <a:extLst>
               <a:ext uri="{FF2B5EF4-FFF2-40B4-BE49-F238E27FC236}">
-                <a16:creationId xmlns:a16="http://schemas.microsoft.com/office/drawing/2014/main" id="{6A6B3C10-B4C3-44CA-9B34-FBBAB6AC3A84}"/>
+                <a16:creationId xmlns:a16="http://schemas.microsoft.com/office/drawing/2014/main" id="{AB50DC75-AB9B-410A-895C-E7D076540628}"/>
               </a:ext>
             </a:extLst>
           </p:cNvPr>
-          <p:cNvSpPr>
-            <a:spLocks noChangeArrowheads="1"/>
-          </p:cNvSpPr>
+          <p:cNvPicPr preferRelativeResize="0"/>
           <p:nvPr/>
-        </p:nvSpPr>
-        <p:spPr bwMode="auto">
+        </p:nvPicPr>
+        <p:blipFill>
+          <a:blip r:embed="rId5">
+            <a:alphaModFix/>
+          </a:blip>
+          <a:stretch>
+            <a:fillRect/>
+          </a:stretch>
+        </p:blipFill>
+        <p:spPr>
           <a:xfrm>
-            <a:off x="7266880" y="4681195"/>
-            <a:ext cx="1625600" cy="838200"/>
+            <a:off x="76200" y="5400903"/>
+            <a:ext cx="5876925" cy="1404538"/>
           </a:xfrm>
           <a:prstGeom prst="rect">
             <a:avLst/>
           </a:prstGeom>
-          <a:solidFill>
-            <a:srgbClr val="FFFF00"/>
-          </a:solidFill>
-          <a:ln w="9525">
-            <a:solidFill>
-              <a:srgbClr val="000000"/>
-            </a:solidFill>
-            <a:miter lim="800000"/>
-            <a:headEnd/>
-            <a:tailEnd/>
+          <a:noFill/>
+          <a:ln>
+            <a:noFill/>
           </a:ln>
         </p:spPr>
-        <p:txBody>
-          <a:bodyPr wrap="none" anchor="ctr"/>
-          <a:lstStyle/>
-          <a:p>
-            <a:pPr algn="ctr"/>
-            <a:r>
-              <a:rPr lang="en-US" sz="1600" dirty="0">
-                <a:solidFill>
-                  <a:srgbClr val="000000"/>
-                </a:solidFill>
-              </a:rPr>
-              <a:t>password</a:t>
-            </a:r>
-          </a:p>
-        </p:txBody>
-      </p:sp>
-      <p:sp>
-        <p:nvSpPr>
-          <p:cNvPr id="24" name="Rectangle 16">
-            <a:extLst>
-              <a:ext uri="{FF2B5EF4-FFF2-40B4-BE49-F238E27FC236}">
-                <a16:creationId xmlns:a16="http://schemas.microsoft.com/office/drawing/2014/main" id="{EB081228-1DA6-4087-A379-1968CB42900D}"/>
-              </a:ext>
-            </a:extLst>
-          </p:cNvPr>
-          <p:cNvSpPr>
-            <a:spLocks noChangeArrowheads="1"/>
-          </p:cNvSpPr>
-          <p:nvPr/>
-        </p:nvSpPr>
-        <p:spPr bwMode="auto">
-          <a:xfrm>
-            <a:off x="7266880" y="4387509"/>
-            <a:ext cx="1625600" cy="325437"/>
-          </a:xfrm>
-          <a:prstGeom prst="rect">
-            <a:avLst/>
-          </a:prstGeom>
-          <a:solidFill>
-            <a:srgbClr val="FFFF00"/>
-          </a:solidFill>
-          <a:ln w="9525">
-            <a:solidFill>
-              <a:srgbClr val="000000"/>
-            </a:solidFill>
-            <a:miter lim="800000"/>
-            <a:headEnd/>
-            <a:tailEnd/>
-          </a:ln>
-        </p:spPr>
-        <p:txBody>
-          <a:bodyPr wrap="none" anchor="ctr"/>
-          <a:lstStyle/>
-          <a:p>
-            <a:pPr algn="ctr"/>
-            <a:r>
-              <a:rPr lang="en-US" sz="1600" dirty="0" err="1">
-                <a:solidFill>
-                  <a:srgbClr val="000000"/>
-                </a:solidFill>
-              </a:rPr>
-              <a:t>userid</a:t>
-            </a:r>
-            <a:endParaRPr lang="en-US" sz="1600" dirty="0">
-              <a:solidFill>
-                <a:srgbClr val="000000"/>
-              </a:solidFill>
-            </a:endParaRPr>
-          </a:p>
-        </p:txBody>
-      </p:sp>
-      <p:sp>
-        <p:nvSpPr>
-          <p:cNvPr id="25" name="Rectangle 18">
-            <a:extLst>
-              <a:ext uri="{FF2B5EF4-FFF2-40B4-BE49-F238E27FC236}">
-                <a16:creationId xmlns:a16="http://schemas.microsoft.com/office/drawing/2014/main" id="{47207615-9842-41DB-BB60-A46C31DFA0A0}"/>
-              </a:ext>
-            </a:extLst>
-          </p:cNvPr>
-          <p:cNvSpPr>
-            <a:spLocks noChangeArrowheads="1"/>
-          </p:cNvSpPr>
-          <p:nvPr/>
-        </p:nvSpPr>
-        <p:spPr bwMode="auto">
-          <a:xfrm>
-            <a:off x="7266880" y="4001745"/>
-            <a:ext cx="1625600" cy="381000"/>
-          </a:xfrm>
-          <a:prstGeom prst="rect">
-            <a:avLst/>
-          </a:prstGeom>
-          <a:solidFill>
-            <a:srgbClr val="FFFF00"/>
-          </a:solidFill>
-          <a:ln w="9525">
-            <a:solidFill>
-              <a:schemeClr val="bg2"/>
-            </a:solidFill>
-            <a:miter lim="800000"/>
-            <a:headEnd/>
-            <a:tailEnd/>
-          </a:ln>
-        </p:spPr>
-        <p:txBody>
-          <a:bodyPr wrap="none" anchor="ctr"/>
-          <a:lstStyle/>
-          <a:p>
-            <a:pPr algn="ctr"/>
-            <a:r>
-              <a:rPr lang="en-US" sz="1600" dirty="0" err="1">
-                <a:solidFill>
-                  <a:srgbClr val="000000"/>
-                </a:solidFill>
-              </a:rPr>
-              <a:t>passwordok</a:t>
-            </a:r>
-            <a:endParaRPr lang="en-US" sz="1600" dirty="0">
-              <a:solidFill>
-                <a:srgbClr val="000000"/>
-              </a:solidFill>
-            </a:endParaRPr>
-          </a:p>
-        </p:txBody>
-      </p:sp>
-      <p:sp>
-        <p:nvSpPr>
-          <p:cNvPr id="26" name="Rectangle 21">
-            <a:extLst>
-              <a:ext uri="{FF2B5EF4-FFF2-40B4-BE49-F238E27FC236}">
-                <a16:creationId xmlns:a16="http://schemas.microsoft.com/office/drawing/2014/main" id="{6475C59F-9843-4BDD-B81C-7F68CE776828}"/>
-              </a:ext>
-            </a:extLst>
-          </p:cNvPr>
-          <p:cNvSpPr>
-            <a:spLocks noChangeArrowheads="1"/>
-          </p:cNvSpPr>
-          <p:nvPr/>
-        </p:nvSpPr>
-        <p:spPr bwMode="auto">
-          <a:xfrm>
-            <a:off x="7266880" y="3269908"/>
-            <a:ext cx="1625600" cy="381000"/>
-          </a:xfrm>
-          <a:prstGeom prst="rect">
-            <a:avLst/>
-          </a:prstGeom>
-          <a:solidFill>
-            <a:srgbClr val="FFFF00"/>
-          </a:solidFill>
-          <a:ln w="9525">
-            <a:solidFill>
-              <a:srgbClr val="000000"/>
-            </a:solidFill>
-            <a:miter lim="800000"/>
-            <a:headEnd/>
-            <a:tailEnd/>
-          </a:ln>
-        </p:spPr>
-        <p:txBody>
-          <a:bodyPr wrap="none" anchor="ctr"/>
-          <a:lstStyle/>
-          <a:p>
-            <a:pPr algn="ctr"/>
-            <a:r>
-              <a:rPr lang="en-US" sz="1600" dirty="0">
-                <a:solidFill>
-                  <a:srgbClr val="000000"/>
-                </a:solidFill>
-              </a:rPr>
-              <a:t>ret. </a:t>
-            </a:r>
-            <a:r>
-              <a:rPr lang="en-US" sz="1600" dirty="0" err="1">
-                <a:solidFill>
-                  <a:srgbClr val="000000"/>
-                </a:solidFill>
-              </a:rPr>
-              <a:t>Addr</a:t>
-            </a:r>
-            <a:r>
-              <a:rPr lang="en-US" sz="1600" dirty="0">
-                <a:solidFill>
-                  <a:srgbClr val="000000"/>
-                </a:solidFill>
-              </a:rPr>
-              <a:t>.</a:t>
-            </a:r>
-          </a:p>
-        </p:txBody>
-      </p:sp>
-      <p:sp>
-        <p:nvSpPr>
-          <p:cNvPr id="27" name="Rectangle 27">
-            <a:extLst>
-              <a:ext uri="{FF2B5EF4-FFF2-40B4-BE49-F238E27FC236}">
-                <a16:creationId xmlns:a16="http://schemas.microsoft.com/office/drawing/2014/main" id="{E10B3759-934C-4F27-8DAA-26D3AFF2E69F}"/>
-              </a:ext>
-            </a:extLst>
-          </p:cNvPr>
-          <p:cNvSpPr>
-            <a:spLocks noChangeArrowheads="1"/>
-          </p:cNvSpPr>
-          <p:nvPr/>
-        </p:nvSpPr>
-        <p:spPr bwMode="auto">
-          <a:xfrm>
-            <a:off x="7266881" y="2538069"/>
-            <a:ext cx="1625600" cy="381000"/>
-          </a:xfrm>
-          <a:prstGeom prst="rect">
-            <a:avLst/>
-          </a:prstGeom>
-          <a:solidFill>
-            <a:srgbClr val="CCFFFF"/>
-          </a:solidFill>
-          <a:ln w="9525">
-            <a:solidFill>
-              <a:schemeClr val="tx1"/>
-            </a:solidFill>
-            <a:miter lim="800000"/>
-            <a:headEnd/>
-            <a:tailEnd/>
-          </a:ln>
-          <a:effectLst/>
-          <a:extLst>
-            <a:ext uri="{AF507438-7753-43e0-B8FC-AC1667EBCBE1}">
-              <a14:hiddenEffects xmlns="" xmlns:a14="http://schemas.microsoft.com/office/drawing/2010/main">
-                <a:effectLst>
-                  <a:outerShdw blurRad="63500" dist="38099" dir="2700000" algn="ctr" rotWithShape="0">
-                    <a:schemeClr val="bg2">
-                      <a:alpha val="74998"/>
-                    </a:schemeClr>
-                  </a:outerShdw>
-                </a:effectLst>
-              </a14:hiddenEffects>
-            </a:ext>
-          </a:extLst>
-        </p:spPr>
-        <p:txBody>
-          <a:bodyPr wrap="none" anchor="ctr"/>
-          <a:lstStyle/>
-          <a:p>
-            <a:pPr algn="ctr">
-              <a:defRPr/>
-            </a:pPr>
-            <a:r>
-              <a:rPr lang="en-US" sz="1600" dirty="0">
-                <a:solidFill>
-                  <a:schemeClr val="bg2"/>
-                </a:solidFill>
-              </a:rPr>
-              <a:t>…</a:t>
-            </a:r>
-          </a:p>
-        </p:txBody>
-      </p:sp>
-      <p:sp>
-        <p:nvSpPr>
-          <p:cNvPr id="31" name="Rectangle 21">
-            <a:extLst>
-              <a:ext uri="{FF2B5EF4-FFF2-40B4-BE49-F238E27FC236}">
-                <a16:creationId xmlns:a16="http://schemas.microsoft.com/office/drawing/2014/main" id="{FF64FC8F-87DD-464A-87E2-4C3E71A3863D}"/>
-              </a:ext>
-            </a:extLst>
-          </p:cNvPr>
-          <p:cNvSpPr>
-            <a:spLocks noChangeArrowheads="1"/>
-          </p:cNvSpPr>
-          <p:nvPr/>
-        </p:nvSpPr>
-        <p:spPr bwMode="auto">
-          <a:xfrm>
-            <a:off x="7266880" y="3655671"/>
-            <a:ext cx="1625600" cy="360363"/>
-          </a:xfrm>
-          <a:prstGeom prst="rect">
-            <a:avLst/>
-          </a:prstGeom>
-          <a:solidFill>
-            <a:srgbClr val="FFFF00"/>
-          </a:solidFill>
-          <a:ln w="9525">
-            <a:solidFill>
-              <a:srgbClr val="000000"/>
-            </a:solidFill>
-            <a:miter lim="800000"/>
-            <a:headEnd/>
-            <a:tailEnd/>
-          </a:ln>
-        </p:spPr>
-        <p:txBody>
-          <a:bodyPr wrap="none" anchor="ctr"/>
-          <a:lstStyle/>
-          <a:p>
-            <a:pPr algn="ctr"/>
-            <a:endParaRPr lang="en-US" sz="1600">
-              <a:solidFill>
-                <a:srgbClr val="000000"/>
-              </a:solidFill>
-            </a:endParaRPr>
-          </a:p>
-        </p:txBody>
-      </p:sp>
-      <p:sp>
-        <p:nvSpPr>
-          <p:cNvPr id="33" name="Rectangle 21">
-            <a:extLst>
-              <a:ext uri="{FF2B5EF4-FFF2-40B4-BE49-F238E27FC236}">
-                <a16:creationId xmlns:a16="http://schemas.microsoft.com/office/drawing/2014/main" id="{F6578FA5-B3B1-44BA-8E52-504AD70901E4}"/>
-              </a:ext>
-            </a:extLst>
-          </p:cNvPr>
-          <p:cNvSpPr>
-            <a:spLocks noChangeArrowheads="1"/>
-          </p:cNvSpPr>
-          <p:nvPr/>
-        </p:nvSpPr>
-        <p:spPr bwMode="auto">
-          <a:xfrm>
-            <a:off x="7266880" y="3655670"/>
-            <a:ext cx="1625600" cy="381000"/>
-          </a:xfrm>
-          <a:prstGeom prst="rect">
-            <a:avLst/>
-          </a:prstGeom>
-          <a:solidFill>
-            <a:srgbClr val="FF0000"/>
-          </a:solidFill>
-          <a:ln w="9525">
-            <a:solidFill>
-              <a:srgbClr val="000000"/>
-            </a:solidFill>
-            <a:miter lim="800000"/>
-            <a:headEnd/>
-            <a:tailEnd/>
-          </a:ln>
-        </p:spPr>
-        <p:txBody>
-          <a:bodyPr wrap="none" anchor="ctr"/>
-          <a:lstStyle/>
-          <a:p>
-            <a:pPr algn="ctr"/>
-            <a:r>
-              <a:rPr lang="en-US" sz="1600" dirty="0">
-                <a:solidFill>
-                  <a:srgbClr val="000000"/>
-                </a:solidFill>
-              </a:rPr>
-              <a:t>Canary</a:t>
-            </a:r>
-          </a:p>
-        </p:txBody>
-      </p:sp>
+      </p:pic>
     </p:spTree>
   </p:cSld>
   <p:clrMapOvr>
@@ -20614,65 +20316,188 @@
           </a:p>
         </p:txBody>
       </p:sp>
-      <p:sp>
-        <p:nvSpPr>
-          <p:cNvPr id="253955" name="Rectangle 3"/>
-          <p:cNvSpPr>
-            <a:spLocks noGrp="1" noChangeArrowheads="1"/>
-          </p:cNvSpPr>
-          <p:nvPr>
-            <p:ph idx="1"/>
-          </p:nvPr>
-        </p:nvSpPr>
-        <p:spPr/>
-        <p:txBody>
-          <a:bodyPr>
-            <a:normAutofit/>
-          </a:bodyPr>
-          <a:lstStyle/>
-          <a:p>
-            <a:r>
-              <a:rPr lang="en-US" sz="2800" dirty="0"/>
-              <a:t>ASLR randomizes memory addresses of key data structures, incl. stack, heap, global data, standard library functions (</a:t>
-            </a:r>
-            <a:r>
-              <a:rPr lang="en-US" sz="2800" dirty="0" err="1"/>
-              <a:t>libc</a:t>
-            </a:r>
-            <a:r>
-              <a:rPr lang="en-US" sz="2800" dirty="0"/>
-              <a:t>) to make it harder for attacker to find important addresses.</a:t>
-            </a:r>
-          </a:p>
-          <a:p>
-            <a:pPr lvl="1"/>
-            <a:r>
-              <a:rPr lang="en-US" sz="2800" dirty="0"/>
-              <a:t>Takes advantage of large address range on modern CPUs (2</a:t>
-            </a:r>
-            <a:r>
-              <a:rPr lang="en-US" sz="2800" baseline="30000" dirty="0"/>
-              <a:t>32</a:t>
-            </a:r>
-            <a:r>
-              <a:rPr lang="en-US" sz="2800" dirty="0"/>
-              <a:t> for a 32-bit CPU; </a:t>
-            </a:r>
-            <a:r>
-              <a:rPr lang="en-US" altLang="zh-CN" sz="2800" dirty="0"/>
-              <a:t>2</a:t>
-            </a:r>
-            <a:r>
-              <a:rPr lang="en-US" altLang="zh-CN" sz="2800" baseline="30000" dirty="0"/>
-              <a:t>64</a:t>
-            </a:r>
-            <a:r>
-              <a:rPr lang="en-US" altLang="zh-CN" sz="2800" dirty="0"/>
-              <a:t> for a 64-bit CPU)</a:t>
-            </a:r>
-          </a:p>
-        </p:txBody>
-      </p:sp>
+      <mc:AlternateContent xmlns:mc="http://schemas.openxmlformats.org/markup-compatibility/2006" xmlns:a14="http://schemas.microsoft.com/office/drawing/2010/main">
+        <mc:Choice Requires="a14">
+          <p:sp>
+            <p:nvSpPr>
+              <p:cNvPr id="253955" name="Rectangle 3"/>
+              <p:cNvSpPr>
+                <a:spLocks noGrp="1" noChangeArrowheads="1"/>
+              </p:cNvSpPr>
+              <p:nvPr>
+                <p:ph idx="1"/>
+              </p:nvPr>
+            </p:nvSpPr>
+            <p:spPr/>
+            <p:txBody>
+              <a:bodyPr>
+                <a:normAutofit lnSpcReduction="10000"/>
+              </a:bodyPr>
+              <a:lstStyle/>
+              <a:p>
+                <a:r>
+                  <a:rPr lang="en-US" sz="2800" dirty="0"/>
+                  <a:t>ASLR randomizes memory addresses of key data structures, incl. stack, heap, global data, standard library functions (</a:t>
+                </a:r>
+                <a:r>
+                  <a:rPr lang="en-US" sz="2800" dirty="0" err="1"/>
+                  <a:t>libc</a:t>
+                </a:r>
+                <a:r>
+                  <a:rPr lang="en-US" sz="2800" dirty="0"/>
+                  <a:t>) to make it harder for attacker to find important addresses.</a:t>
+                </a:r>
+              </a:p>
+              <a:p>
+                <a:pPr lvl="1"/>
+                <a:r>
+                  <a:rPr lang="en-US" sz="2800" dirty="0"/>
+                  <a:t>For a 32-bit CPU, the virtual memory address range has size </a:t>
+                </a:r>
+                <a14:m>
+                  <m:oMath xmlns:m="http://schemas.openxmlformats.org/officeDocument/2006/math">
+                    <m:sSup>
+                      <m:sSupPr>
+                        <m:ctrlPr>
+                          <a:rPr lang="en-US" sz="2800" b="0" i="1" smtClean="0">
+                            <a:latin typeface="Cambria Math" panose="02040503050406030204" pitchFamily="18" charset="0"/>
+                          </a:rPr>
+                        </m:ctrlPr>
+                      </m:sSupPr>
+                      <m:e>
+                        <m:r>
+                          <a:rPr lang="en-US" sz="2800" b="0" i="1" smtClean="0">
+                            <a:latin typeface="Cambria Math" panose="02040503050406030204" pitchFamily="18" charset="0"/>
+                          </a:rPr>
+                          <m:t>2</m:t>
+                        </m:r>
+                      </m:e>
+                      <m:sup>
+                        <m:r>
+                          <a:rPr lang="en-US" sz="2800" b="0" i="1" smtClean="0">
+                            <a:latin typeface="Cambria Math" panose="02040503050406030204" pitchFamily="18" charset="0"/>
+                          </a:rPr>
+                          <m:t>32</m:t>
+                        </m:r>
+                      </m:sup>
+                    </m:sSup>
+                  </m:oMath>
+                </a14:m>
+                <a:r>
+                  <a:rPr lang="en-US" sz="2800" dirty="0"/>
+                  <a:t>; typically the user space address range has size </a:t>
+                </a:r>
+                <a14:m>
+                  <m:oMath xmlns:m="http://schemas.openxmlformats.org/officeDocument/2006/math">
+                    <m:sSup>
+                      <m:sSupPr>
+                        <m:ctrlPr>
+                          <a:rPr lang="en-US" sz="2800" i="1">
+                            <a:latin typeface="Cambria Math" panose="02040503050406030204" pitchFamily="18" charset="0"/>
+                          </a:rPr>
+                        </m:ctrlPr>
+                      </m:sSupPr>
+                      <m:e>
+                        <m:r>
+                          <a:rPr lang="en-US" sz="2800" i="1">
+                            <a:latin typeface="Cambria Math" panose="02040503050406030204" pitchFamily="18" charset="0"/>
+                          </a:rPr>
+                          <m:t>2</m:t>
+                        </m:r>
+                      </m:e>
+                      <m:sup>
+                        <m:r>
+                          <a:rPr lang="en-US" sz="2800" b="0" i="1" smtClean="0">
+                            <a:latin typeface="Cambria Math" panose="02040503050406030204" pitchFamily="18" charset="0"/>
+                          </a:rPr>
+                          <m:t>19</m:t>
+                        </m:r>
+                      </m:sup>
+                    </m:sSup>
+                  </m:oMath>
+                </a14:m>
+                <a:r>
+                  <a:rPr lang="en-US" sz="2800" dirty="0"/>
+                  <a:t>. This is not large enough against brute-force attacks that try all possible addresses.</a:t>
+                </a:r>
+              </a:p>
+              <a:p>
+                <a:pPr lvl="1"/>
+                <a:r>
+                  <a:rPr lang="en-US" sz="2800" dirty="0"/>
+                  <a:t>For a 64-bit CPU, the virtual memory address range has size </a:t>
+                </a:r>
+                <a14:m>
+                  <m:oMath xmlns:m="http://schemas.openxmlformats.org/officeDocument/2006/math">
+                    <m:sSup>
+                      <m:sSupPr>
+                        <m:ctrlPr>
+                          <a:rPr lang="en-US" sz="2800" i="1">
+                            <a:latin typeface="Cambria Math" panose="02040503050406030204" pitchFamily="18" charset="0"/>
+                          </a:rPr>
+                        </m:ctrlPr>
+                      </m:sSupPr>
+                      <m:e>
+                        <m:r>
+                          <a:rPr lang="en-US" sz="2800" i="1">
+                            <a:latin typeface="Cambria Math" panose="02040503050406030204" pitchFamily="18" charset="0"/>
+                          </a:rPr>
+                          <m:t>2</m:t>
+                        </m:r>
+                      </m:e>
+                      <m:sup>
+                        <m:r>
+                          <a:rPr lang="en-US" sz="2800" b="0" i="1" smtClean="0">
+                            <a:latin typeface="Cambria Math" panose="02040503050406030204" pitchFamily="18" charset="0"/>
+                          </a:rPr>
+                          <m:t>64</m:t>
+                        </m:r>
+                      </m:sup>
+                    </m:sSup>
+                  </m:oMath>
+                </a14:m>
+                <a:r>
+                  <a:rPr lang="en-US" sz="2800" dirty="0"/>
+                  <a:t>; This is large enough against brute-force attacks.</a:t>
+                </a:r>
+              </a:p>
+            </p:txBody>
+          </p:sp>
+        </mc:Choice>
+        <mc:Fallback xmlns="">
+          <p:sp>
+            <p:nvSpPr>
+              <p:cNvPr id="253955" name="Rectangle 3"/>
+              <p:cNvSpPr>
+                <a:spLocks noGrp="1" noRot="1" noChangeAspect="1" noMove="1" noResize="1" noEditPoints="1" noAdjustHandles="1" noChangeArrowheads="1" noChangeShapeType="1" noTextEdit="1"/>
+              </p:cNvSpPr>
+              <p:nvPr>
+                <p:ph idx="1"/>
+              </p:nvPr>
+            </p:nvSpPr>
+            <p:spPr>
+              <a:blipFill>
+                <a:blip r:embed="rId3"/>
+                <a:stretch>
+                  <a:fillRect l="-1280" t="-1970" r="-2347"/>
+                </a:stretch>
+              </a:blipFill>
+            </p:spPr>
+            <p:txBody>
+              <a:bodyPr/>
+              <a:lstStyle/>
+              <a:p>
+                <a:r>
+                  <a:rPr lang="en-SE">
+                    <a:noFill/>
+                  </a:rPr>
+                  <a:t> </a:t>
+                </a:r>
+              </a:p>
+            </p:txBody>
+          </p:sp>
+        </mc:Fallback>
+      </mc:AlternateContent>
       <p:sp>
         <p:nvSpPr>
           <p:cNvPr id="2" name="灯片编号占位符 1"/>
@@ -20983,6 +20808,899 @@
       </p:grpSpPr>
       <p:sp>
         <p:nvSpPr>
+          <p:cNvPr id="2" name="Title 1">
+            <a:extLst>
+              <a:ext uri="{FF2B5EF4-FFF2-40B4-BE49-F238E27FC236}">
+                <a16:creationId xmlns:a16="http://schemas.microsoft.com/office/drawing/2014/main" id="{A6375D24-89A4-4B1A-ABBC-5F4719A58018}"/>
+              </a:ext>
+            </a:extLst>
+          </p:cNvPr>
+          <p:cNvSpPr>
+            <a:spLocks noGrp="1"/>
+          </p:cNvSpPr>
+          <p:nvPr>
+            <p:ph type="title"/>
+          </p:nvPr>
+        </p:nvSpPr>
+        <p:spPr/>
+        <p:txBody>
+          <a:bodyPr/>
+          <a:lstStyle/>
+          <a:p>
+            <a:r>
+              <a:rPr lang="en-US" dirty="0"/>
+              <a:t>ASLR Example</a:t>
+            </a:r>
+            <a:endParaRPr lang="en-SE" dirty="0"/>
+          </a:p>
+        </p:txBody>
+      </p:sp>
+      <p:sp>
+        <p:nvSpPr>
+          <p:cNvPr id="3" name="Content Placeholder 2">
+            <a:extLst>
+              <a:ext uri="{FF2B5EF4-FFF2-40B4-BE49-F238E27FC236}">
+                <a16:creationId xmlns:a16="http://schemas.microsoft.com/office/drawing/2014/main" id="{C3827C3A-29F9-4FFC-8CD2-BFC0265ABF17}"/>
+              </a:ext>
+            </a:extLst>
+          </p:cNvPr>
+          <p:cNvSpPr>
+            <a:spLocks noGrp="1"/>
+          </p:cNvSpPr>
+          <p:nvPr>
+            <p:ph idx="1"/>
+          </p:nvPr>
+        </p:nvSpPr>
+        <p:spPr>
+          <a:xfrm>
+            <a:off x="323528" y="1196753"/>
+            <a:ext cx="8568952" cy="1889347"/>
+          </a:xfrm>
+        </p:spPr>
+        <p:txBody>
+          <a:bodyPr>
+            <a:normAutofit fontScale="92500" lnSpcReduction="20000"/>
+          </a:bodyPr>
+          <a:lstStyle/>
+          <a:p>
+            <a:r>
+              <a:rPr lang="en-US" dirty="0"/>
+              <a:t>Array x[12] is statically allocated; hence it is on the stack;</a:t>
+            </a:r>
+          </a:p>
+          <a:p>
+            <a:r>
+              <a:rPr lang="en-US" dirty="0"/>
+              <a:t>Array y[12] is allocated dynamically with malloc(), hence it is on the heap.</a:t>
+            </a:r>
+            <a:endParaRPr lang="en-SE" dirty="0"/>
+          </a:p>
+        </p:txBody>
+      </p:sp>
+      <p:sp>
+        <p:nvSpPr>
+          <p:cNvPr id="4" name="Slide Number Placeholder 3">
+            <a:extLst>
+              <a:ext uri="{FF2B5EF4-FFF2-40B4-BE49-F238E27FC236}">
+                <a16:creationId xmlns:a16="http://schemas.microsoft.com/office/drawing/2014/main" id="{F6DA74C6-9F04-475E-8A26-7E7455E75EAA}"/>
+              </a:ext>
+            </a:extLst>
+          </p:cNvPr>
+          <p:cNvSpPr>
+            <a:spLocks noGrp="1"/>
+          </p:cNvSpPr>
+          <p:nvPr>
+            <p:ph type="sldNum" sz="quarter" idx="12"/>
+          </p:nvPr>
+        </p:nvSpPr>
+        <p:spPr/>
+        <p:txBody>
+          <a:bodyPr/>
+          <a:lstStyle/>
+          <a:p>
+            <a:pPr>
+              <a:defRPr/>
+            </a:pPr>
+            <a:fld id="{F57F456A-00AF-44E6-8D70-638C0D0130FF}" type="slidenum">
+              <a:rPr lang="en-US" altLang="zh-CN" smtClean="0"/>
+              <a:pPr>
+                <a:defRPr/>
+              </a:pPr>
+              <a:t>23</a:t>
+            </a:fld>
+            <a:endParaRPr lang="en-US" altLang="zh-CN" dirty="0"/>
+          </a:p>
+        </p:txBody>
+      </p:sp>
+      <p:pic>
+        <p:nvPicPr>
+          <p:cNvPr id="5" name="Shape 287">
+            <a:extLst>
+              <a:ext uri="{FF2B5EF4-FFF2-40B4-BE49-F238E27FC236}">
+                <a16:creationId xmlns:a16="http://schemas.microsoft.com/office/drawing/2014/main" id="{CECE7FB7-0F08-4642-A693-E5835B57660D}"/>
+              </a:ext>
+            </a:extLst>
+          </p:cNvPr>
+          <p:cNvPicPr preferRelativeResize="0"/>
+          <p:nvPr/>
+        </p:nvPicPr>
+        <p:blipFill>
+          <a:blip r:embed="rId2">
+            <a:alphaModFix/>
+          </a:blip>
+          <a:stretch>
+            <a:fillRect/>
+          </a:stretch>
+        </p:blipFill>
+        <p:spPr>
+          <a:xfrm>
+            <a:off x="144222" y="3171724"/>
+            <a:ext cx="8748258" cy="3616197"/>
+          </a:xfrm>
+          <a:prstGeom prst="rect">
+            <a:avLst/>
+          </a:prstGeom>
+          <a:noFill/>
+          <a:ln>
+            <a:noFill/>
+          </a:ln>
+        </p:spPr>
+      </p:pic>
+    </p:spTree>
+    <p:extLst>
+      <p:ext uri="{BB962C8B-B14F-4D97-AF65-F5344CB8AC3E}">
+        <p14:creationId xmlns:p14="http://schemas.microsoft.com/office/powerpoint/2010/main" val="1381448971"/>
+      </p:ext>
+    </p:extLst>
+  </p:cSld>
+  <p:clrMapOvr>
+    <a:masterClrMapping/>
+  </p:clrMapOvr>
+</p:sld>
+</file>
+
+<file path=ppt/slides/slide24.xml><?xml version="1.0" encoding="utf-8"?>
+<p:sld xmlns:a="http://schemas.openxmlformats.org/drawingml/2006/main" xmlns:r="http://schemas.openxmlformats.org/officeDocument/2006/relationships" xmlns:p="http://schemas.openxmlformats.org/presentationml/2006/main">
+  <p:cSld>
+    <p:spTree>
+      <p:nvGrpSpPr>
+        <p:cNvPr id="1" name=""/>
+        <p:cNvGrpSpPr/>
+        <p:nvPr/>
+      </p:nvGrpSpPr>
+      <p:grpSpPr>
+        <a:xfrm>
+          <a:off x="0" y="0"/>
+          <a:ext cx="0" cy="0"/>
+          <a:chOff x="0" y="0"/>
+          <a:chExt cx="0" cy="0"/>
+        </a:xfrm>
+      </p:grpSpPr>
+      <p:sp>
+        <p:nvSpPr>
+          <p:cNvPr id="2" name="Title 1">
+            <a:extLst>
+              <a:ext uri="{FF2B5EF4-FFF2-40B4-BE49-F238E27FC236}">
+                <a16:creationId xmlns:a16="http://schemas.microsoft.com/office/drawing/2014/main" id="{5838227D-5413-4610-99E3-ED84EA458A59}"/>
+              </a:ext>
+            </a:extLst>
+          </p:cNvPr>
+          <p:cNvSpPr>
+            <a:spLocks noGrp="1"/>
+          </p:cNvSpPr>
+          <p:nvPr>
+            <p:ph type="title"/>
+          </p:nvPr>
+        </p:nvSpPr>
+        <p:spPr/>
+        <p:txBody>
+          <a:bodyPr/>
+          <a:lstStyle/>
+          <a:p>
+            <a:endParaRPr lang="en-SE" dirty="0"/>
+          </a:p>
+        </p:txBody>
+      </p:sp>
+      <p:sp>
+        <p:nvSpPr>
+          <p:cNvPr id="4" name="Slide Number Placeholder 3">
+            <a:extLst>
+              <a:ext uri="{FF2B5EF4-FFF2-40B4-BE49-F238E27FC236}">
+                <a16:creationId xmlns:a16="http://schemas.microsoft.com/office/drawing/2014/main" id="{7B711511-2B32-4934-88A5-2D7037D2C078}"/>
+              </a:ext>
+            </a:extLst>
+          </p:cNvPr>
+          <p:cNvSpPr>
+            <a:spLocks noGrp="1"/>
+          </p:cNvSpPr>
+          <p:nvPr>
+            <p:ph type="sldNum" sz="quarter" idx="12"/>
+          </p:nvPr>
+        </p:nvSpPr>
+        <p:spPr/>
+        <p:txBody>
+          <a:bodyPr/>
+          <a:lstStyle/>
+          <a:p>
+            <a:pPr>
+              <a:defRPr/>
+            </a:pPr>
+            <a:fld id="{F57F456A-00AF-44E6-8D70-638C0D0130FF}" type="slidenum">
+              <a:rPr lang="en-US" altLang="zh-CN" smtClean="0"/>
+              <a:pPr>
+                <a:defRPr/>
+              </a:pPr>
+              <a:t>24</a:t>
+            </a:fld>
+            <a:endParaRPr lang="en-US" altLang="zh-CN" dirty="0"/>
+          </a:p>
+        </p:txBody>
+      </p:sp>
+      <p:pic>
+        <p:nvPicPr>
+          <p:cNvPr id="7" name="Shape 295">
+            <a:extLst>
+              <a:ext uri="{FF2B5EF4-FFF2-40B4-BE49-F238E27FC236}">
+                <a16:creationId xmlns:a16="http://schemas.microsoft.com/office/drawing/2014/main" id="{8B94029C-4A40-4006-B34C-4E44DC55D173}"/>
+              </a:ext>
+            </a:extLst>
+          </p:cNvPr>
+          <p:cNvPicPr preferRelativeResize="0"/>
+          <p:nvPr/>
+        </p:nvPicPr>
+        <p:blipFill>
+          <a:blip r:embed="rId2">
+            <a:alphaModFix/>
+          </a:blip>
+          <a:stretch>
+            <a:fillRect/>
+          </a:stretch>
+        </p:blipFill>
+        <p:spPr>
+          <a:xfrm>
+            <a:off x="3790950" y="2485249"/>
+            <a:ext cx="5181600" cy="1990725"/>
+          </a:xfrm>
+          <a:prstGeom prst="rect">
+            <a:avLst/>
+          </a:prstGeom>
+          <a:noFill/>
+          <a:ln>
+            <a:noFill/>
+          </a:ln>
+        </p:spPr>
+      </p:pic>
+      <p:pic>
+        <p:nvPicPr>
+          <p:cNvPr id="13" name="Shape 296">
+            <a:extLst>
+              <a:ext uri="{FF2B5EF4-FFF2-40B4-BE49-F238E27FC236}">
+                <a16:creationId xmlns:a16="http://schemas.microsoft.com/office/drawing/2014/main" id="{204C4C67-903A-4908-B083-99D1079D54F7}"/>
+              </a:ext>
+            </a:extLst>
+          </p:cNvPr>
+          <p:cNvPicPr preferRelativeResize="0"/>
+          <p:nvPr/>
+        </p:nvPicPr>
+        <p:blipFill>
+          <a:blip r:embed="rId3">
+            <a:alphaModFix/>
+          </a:blip>
+          <a:stretch>
+            <a:fillRect/>
+          </a:stretch>
+        </p:blipFill>
+        <p:spPr>
+          <a:xfrm>
+            <a:off x="3810000" y="4847996"/>
+            <a:ext cx="5162550" cy="1666875"/>
+          </a:xfrm>
+          <a:prstGeom prst="rect">
+            <a:avLst/>
+          </a:prstGeom>
+          <a:noFill/>
+          <a:ln>
+            <a:noFill/>
+          </a:ln>
+        </p:spPr>
+      </p:pic>
+      <p:pic>
+        <p:nvPicPr>
+          <p:cNvPr id="14" name="Shape 297">
+            <a:extLst>
+              <a:ext uri="{FF2B5EF4-FFF2-40B4-BE49-F238E27FC236}">
+                <a16:creationId xmlns:a16="http://schemas.microsoft.com/office/drawing/2014/main" id="{92572148-4070-4BE5-88AA-CCD75B3C91E5}"/>
+              </a:ext>
+            </a:extLst>
+          </p:cNvPr>
+          <p:cNvPicPr preferRelativeResize="0"/>
+          <p:nvPr/>
+        </p:nvPicPr>
+        <p:blipFill>
+          <a:blip r:embed="rId4">
+            <a:alphaModFix/>
+          </a:blip>
+          <a:stretch>
+            <a:fillRect/>
+          </a:stretch>
+        </p:blipFill>
+        <p:spPr>
+          <a:xfrm>
+            <a:off x="3810000" y="4533683"/>
+            <a:ext cx="5162550" cy="314325"/>
+          </a:xfrm>
+          <a:prstGeom prst="rect">
+            <a:avLst/>
+          </a:prstGeom>
+          <a:noFill/>
+          <a:ln>
+            <a:noFill/>
+          </a:ln>
+        </p:spPr>
+      </p:pic>
+      <p:pic>
+        <p:nvPicPr>
+          <p:cNvPr id="15" name="Shape 294">
+            <a:extLst>
+              <a:ext uri="{FF2B5EF4-FFF2-40B4-BE49-F238E27FC236}">
+                <a16:creationId xmlns:a16="http://schemas.microsoft.com/office/drawing/2014/main" id="{7E870A86-3F78-4BC7-B120-921A05E64E25}"/>
+              </a:ext>
+            </a:extLst>
+          </p:cNvPr>
+          <p:cNvPicPr preferRelativeResize="0"/>
+          <p:nvPr/>
+        </p:nvPicPr>
+        <p:blipFill>
+          <a:blip r:embed="rId5">
+            <a:alphaModFix/>
+          </a:blip>
+          <a:stretch>
+            <a:fillRect/>
+          </a:stretch>
+        </p:blipFill>
+        <p:spPr>
+          <a:xfrm>
+            <a:off x="3790950" y="432984"/>
+            <a:ext cx="5181600" cy="1952625"/>
+          </a:xfrm>
+          <a:prstGeom prst="rect">
+            <a:avLst/>
+          </a:prstGeom>
+          <a:noFill/>
+          <a:ln>
+            <a:noFill/>
+          </a:ln>
+        </p:spPr>
+      </p:pic>
+      <p:sp>
+        <p:nvSpPr>
+          <p:cNvPr id="20" name="Rectangle 19">
+            <a:extLst>
+              <a:ext uri="{FF2B5EF4-FFF2-40B4-BE49-F238E27FC236}">
+                <a16:creationId xmlns:a16="http://schemas.microsoft.com/office/drawing/2014/main" id="{4B787F21-692A-4885-B96A-496B78C7CD31}"/>
+              </a:ext>
+            </a:extLst>
+          </p:cNvPr>
+          <p:cNvSpPr/>
+          <p:nvPr/>
+        </p:nvSpPr>
+        <p:spPr bwMode="auto">
+          <a:xfrm>
+            <a:off x="95989" y="1356520"/>
+            <a:ext cx="3031024" cy="642973"/>
+          </a:xfrm>
+          <a:prstGeom prst="rect">
+            <a:avLst/>
+          </a:prstGeom>
+          <a:noFill/>
+          <a:ln w="12700" cap="flat" cmpd="sng" algn="ctr">
+            <a:solidFill>
+              <a:schemeClr val="tx1"/>
+            </a:solidFill>
+            <a:prstDash val="solid"/>
+            <a:round/>
+            <a:headEnd type="none" w="med" len="med"/>
+            <a:tailEnd type="none" w="med" len="med"/>
+          </a:ln>
+          <a:effectLst/>
+        </p:spPr>
+        <p:txBody>
+          <a:bodyPr vert="horz" wrap="square" lIns="91440" tIns="45720" rIns="91440" bIns="45720" numCol="1" rtlCol="0" anchor="t" anchorCtr="0" compatLnSpc="1">
+            <a:prstTxWarp prst="textNoShape">
+              <a:avLst/>
+            </a:prstTxWarp>
+          </a:bodyPr>
+          <a:lstStyle/>
+          <a:p>
+            <a:pPr marL="0" lvl="0" indent="0">
+              <a:spcBef>
+                <a:spcPts val="0"/>
+              </a:spcBef>
+              <a:buNone/>
+            </a:pPr>
+            <a:r>
+              <a:rPr lang="en-US" dirty="0"/>
+              <a:t>When set to 0, address space is not randomized.</a:t>
+            </a:r>
+          </a:p>
+        </p:txBody>
+      </p:sp>
+      <p:sp>
+        <p:nvSpPr>
+          <p:cNvPr id="21" name="Arrow: Right 20">
+            <a:extLst>
+              <a:ext uri="{FF2B5EF4-FFF2-40B4-BE49-F238E27FC236}">
+                <a16:creationId xmlns:a16="http://schemas.microsoft.com/office/drawing/2014/main" id="{E1D0DC26-5BCA-4BFA-ACCA-E3329C4C01BC}"/>
+              </a:ext>
+            </a:extLst>
+          </p:cNvPr>
+          <p:cNvSpPr/>
+          <p:nvPr/>
+        </p:nvSpPr>
+        <p:spPr bwMode="auto">
+          <a:xfrm flipV="1">
+            <a:off x="3277935" y="1416022"/>
+            <a:ext cx="503490" cy="523970"/>
+          </a:xfrm>
+          <a:prstGeom prst="rightArrow">
+            <a:avLst/>
+          </a:prstGeom>
+          <a:ln>
+            <a:headEnd type="none" w="med" len="med"/>
+            <a:tailEnd type="none" w="med" len="med"/>
+          </a:ln>
+        </p:spPr>
+        <p:style>
+          <a:lnRef idx="2">
+            <a:schemeClr val="dk1"/>
+          </a:lnRef>
+          <a:fillRef idx="1">
+            <a:schemeClr val="lt1"/>
+          </a:fillRef>
+          <a:effectRef idx="0">
+            <a:schemeClr val="dk1"/>
+          </a:effectRef>
+          <a:fontRef idx="minor">
+            <a:schemeClr val="dk1"/>
+          </a:fontRef>
+        </p:style>
+        <p:txBody>
+          <a:bodyPr vert="horz" wrap="square" lIns="91440" tIns="45720" rIns="91440" bIns="45720" numCol="1" rtlCol="0" anchor="t" anchorCtr="0" compatLnSpc="1">
+            <a:prstTxWarp prst="textNoShape">
+              <a:avLst/>
+            </a:prstTxWarp>
+          </a:bodyPr>
+          <a:lstStyle/>
+          <a:p>
+            <a:pPr marL="0" marR="0" indent="0" algn="l" defTabSz="914400" rtl="0" eaLnBrk="1" fontAlgn="base" latinLnBrk="0" hangingPunct="1">
+              <a:lnSpc>
+                <a:spcPct val="100000"/>
+              </a:lnSpc>
+              <a:spcBef>
+                <a:spcPct val="0"/>
+              </a:spcBef>
+              <a:spcAft>
+                <a:spcPct val="0"/>
+              </a:spcAft>
+              <a:buClrTx/>
+              <a:buSzTx/>
+              <a:buFontTx/>
+              <a:buNone/>
+              <a:tabLst/>
+            </a:pPr>
+            <a:endParaRPr kumimoji="0" lang="en-SE" sz="1800" b="0" i="0" u="none" strike="noStrike" cap="none" normalizeH="0" baseline="0">
+              <a:ln>
+                <a:noFill/>
+              </a:ln>
+              <a:solidFill>
+                <a:schemeClr val="tx1"/>
+              </a:solidFill>
+              <a:effectLst/>
+              <a:latin typeface="Arial" charset="0"/>
+            </a:endParaRPr>
+          </a:p>
+        </p:txBody>
+      </p:sp>
+      <p:sp>
+        <p:nvSpPr>
+          <p:cNvPr id="22" name="Rectangle 21">
+            <a:extLst>
+              <a:ext uri="{FF2B5EF4-FFF2-40B4-BE49-F238E27FC236}">
+                <a16:creationId xmlns:a16="http://schemas.microsoft.com/office/drawing/2014/main" id="{93865A47-BFC9-4C85-A227-35DA128FE60B}"/>
+              </a:ext>
+            </a:extLst>
+          </p:cNvPr>
+          <p:cNvSpPr/>
+          <p:nvPr/>
+        </p:nvSpPr>
+        <p:spPr bwMode="auto">
+          <a:xfrm>
+            <a:off x="95989" y="3064978"/>
+            <a:ext cx="3031025" cy="866744"/>
+          </a:xfrm>
+          <a:prstGeom prst="rect">
+            <a:avLst/>
+          </a:prstGeom>
+          <a:noFill/>
+          <a:ln w="12700" cap="flat" cmpd="sng" algn="ctr">
+            <a:solidFill>
+              <a:schemeClr val="tx1"/>
+            </a:solidFill>
+            <a:prstDash val="solid"/>
+            <a:round/>
+            <a:headEnd type="none" w="med" len="med"/>
+            <a:tailEnd type="none" w="med" len="med"/>
+          </a:ln>
+          <a:effectLst/>
+        </p:spPr>
+        <p:txBody>
+          <a:bodyPr vert="horz" wrap="square" lIns="91440" tIns="45720" rIns="91440" bIns="45720" numCol="1" rtlCol="0" anchor="t" anchorCtr="0" compatLnSpc="1">
+            <a:prstTxWarp prst="textNoShape">
+              <a:avLst/>
+            </a:prstTxWarp>
+          </a:bodyPr>
+          <a:lstStyle/>
+          <a:p>
+            <a:pPr marL="0" lvl="0" indent="0">
+              <a:spcBef>
+                <a:spcPts val="0"/>
+              </a:spcBef>
+              <a:buNone/>
+            </a:pPr>
+            <a:r>
+              <a:rPr lang="en-US" dirty="0"/>
+              <a:t>When set to 1, only stack memory address is randomized.</a:t>
+            </a:r>
+          </a:p>
+        </p:txBody>
+      </p:sp>
+      <p:sp>
+        <p:nvSpPr>
+          <p:cNvPr id="23" name="Arrow: Right 22">
+            <a:extLst>
+              <a:ext uri="{FF2B5EF4-FFF2-40B4-BE49-F238E27FC236}">
+                <a16:creationId xmlns:a16="http://schemas.microsoft.com/office/drawing/2014/main" id="{2B1C3C42-8D33-488C-9E92-E1C110A01978}"/>
+              </a:ext>
+            </a:extLst>
+          </p:cNvPr>
+          <p:cNvSpPr/>
+          <p:nvPr/>
+        </p:nvSpPr>
+        <p:spPr bwMode="auto">
+          <a:xfrm flipV="1">
+            <a:off x="3277935" y="3236365"/>
+            <a:ext cx="503490" cy="523970"/>
+          </a:xfrm>
+          <a:prstGeom prst="rightArrow">
+            <a:avLst/>
+          </a:prstGeom>
+          <a:ln>
+            <a:headEnd type="none" w="med" len="med"/>
+            <a:tailEnd type="none" w="med" len="med"/>
+          </a:ln>
+        </p:spPr>
+        <p:style>
+          <a:lnRef idx="2">
+            <a:schemeClr val="dk1"/>
+          </a:lnRef>
+          <a:fillRef idx="1">
+            <a:schemeClr val="lt1"/>
+          </a:fillRef>
+          <a:effectRef idx="0">
+            <a:schemeClr val="dk1"/>
+          </a:effectRef>
+          <a:fontRef idx="minor">
+            <a:schemeClr val="dk1"/>
+          </a:fontRef>
+        </p:style>
+        <p:txBody>
+          <a:bodyPr vert="horz" wrap="square" lIns="91440" tIns="45720" rIns="91440" bIns="45720" numCol="1" rtlCol="0" anchor="t" anchorCtr="0" compatLnSpc="1">
+            <a:prstTxWarp prst="textNoShape">
+              <a:avLst/>
+            </a:prstTxWarp>
+          </a:bodyPr>
+          <a:lstStyle/>
+          <a:p>
+            <a:pPr marL="0" marR="0" indent="0" algn="l" defTabSz="914400" rtl="0" eaLnBrk="1" fontAlgn="base" latinLnBrk="0" hangingPunct="1">
+              <a:lnSpc>
+                <a:spcPct val="100000"/>
+              </a:lnSpc>
+              <a:spcBef>
+                <a:spcPct val="0"/>
+              </a:spcBef>
+              <a:spcAft>
+                <a:spcPct val="0"/>
+              </a:spcAft>
+              <a:buClrTx/>
+              <a:buSzTx/>
+              <a:buFontTx/>
+              <a:buNone/>
+              <a:tabLst/>
+            </a:pPr>
+            <a:endParaRPr kumimoji="0" lang="en-SE" sz="1800" b="0" i="0" u="none" strike="noStrike" cap="none" normalizeH="0" baseline="0">
+              <a:ln>
+                <a:noFill/>
+              </a:ln>
+              <a:solidFill>
+                <a:schemeClr val="tx1"/>
+              </a:solidFill>
+              <a:effectLst/>
+              <a:latin typeface="Arial" charset="0"/>
+            </a:endParaRPr>
+          </a:p>
+        </p:txBody>
+      </p:sp>
+      <p:sp>
+        <p:nvSpPr>
+          <p:cNvPr id="24" name="Rectangle 23">
+            <a:extLst>
+              <a:ext uri="{FF2B5EF4-FFF2-40B4-BE49-F238E27FC236}">
+                <a16:creationId xmlns:a16="http://schemas.microsoft.com/office/drawing/2014/main" id="{72512B11-CEA3-4BB7-B131-65871E88F4EB}"/>
+              </a:ext>
+            </a:extLst>
+          </p:cNvPr>
+          <p:cNvSpPr/>
+          <p:nvPr/>
+        </p:nvSpPr>
+        <p:spPr bwMode="auto">
+          <a:xfrm>
+            <a:off x="95990" y="5056708"/>
+            <a:ext cx="3031025" cy="866744"/>
+          </a:xfrm>
+          <a:prstGeom prst="rect">
+            <a:avLst/>
+          </a:prstGeom>
+          <a:noFill/>
+          <a:ln w="12700" cap="flat" cmpd="sng" algn="ctr">
+            <a:solidFill>
+              <a:schemeClr val="tx1"/>
+            </a:solidFill>
+            <a:prstDash val="solid"/>
+            <a:round/>
+            <a:headEnd type="none" w="med" len="med"/>
+            <a:tailEnd type="none" w="med" len="med"/>
+          </a:ln>
+          <a:effectLst/>
+        </p:spPr>
+        <p:txBody>
+          <a:bodyPr vert="horz" wrap="square" lIns="91440" tIns="45720" rIns="91440" bIns="45720" numCol="1" rtlCol="0" anchor="t" anchorCtr="0" compatLnSpc="1">
+            <a:prstTxWarp prst="textNoShape">
+              <a:avLst/>
+            </a:prstTxWarp>
+          </a:bodyPr>
+          <a:lstStyle/>
+          <a:p>
+            <a:r>
+              <a:rPr lang="en-US" dirty="0"/>
+              <a:t>When set to 2, both stack and heap memory address</a:t>
+            </a:r>
+            <a:r>
+              <a:rPr lang="en-US" altLang="zh-CN" dirty="0"/>
+              <a:t>es</a:t>
+            </a:r>
+            <a:r>
+              <a:rPr lang="en-US" dirty="0"/>
+              <a:t> are randomized.</a:t>
+            </a:r>
+            <a:endParaRPr lang="en-SE" dirty="0">
+              <a:latin typeface="Arial" charset="0"/>
+            </a:endParaRPr>
+          </a:p>
+        </p:txBody>
+      </p:sp>
+      <p:sp>
+        <p:nvSpPr>
+          <p:cNvPr id="25" name="Arrow: Right 24">
+            <a:extLst>
+              <a:ext uri="{FF2B5EF4-FFF2-40B4-BE49-F238E27FC236}">
+                <a16:creationId xmlns:a16="http://schemas.microsoft.com/office/drawing/2014/main" id="{CD55E6A3-F5AD-44F9-9DF4-EE8C6EDD8DD3}"/>
+              </a:ext>
+            </a:extLst>
+          </p:cNvPr>
+          <p:cNvSpPr/>
+          <p:nvPr/>
+        </p:nvSpPr>
+        <p:spPr bwMode="auto">
+          <a:xfrm flipV="1">
+            <a:off x="3202475" y="5228095"/>
+            <a:ext cx="503490" cy="523970"/>
+          </a:xfrm>
+          <a:prstGeom prst="rightArrow">
+            <a:avLst/>
+          </a:prstGeom>
+          <a:ln>
+            <a:headEnd type="none" w="med" len="med"/>
+            <a:tailEnd type="none" w="med" len="med"/>
+          </a:ln>
+        </p:spPr>
+        <p:style>
+          <a:lnRef idx="2">
+            <a:schemeClr val="dk1"/>
+          </a:lnRef>
+          <a:fillRef idx="1">
+            <a:schemeClr val="lt1"/>
+          </a:fillRef>
+          <a:effectRef idx="0">
+            <a:schemeClr val="dk1"/>
+          </a:effectRef>
+          <a:fontRef idx="minor">
+            <a:schemeClr val="dk1"/>
+          </a:fontRef>
+        </p:style>
+        <p:txBody>
+          <a:bodyPr vert="horz" wrap="square" lIns="91440" tIns="45720" rIns="91440" bIns="45720" numCol="1" rtlCol="0" anchor="t" anchorCtr="0" compatLnSpc="1">
+            <a:prstTxWarp prst="textNoShape">
+              <a:avLst/>
+            </a:prstTxWarp>
+          </a:bodyPr>
+          <a:lstStyle/>
+          <a:p>
+            <a:pPr marL="0" marR="0" indent="0" algn="l" defTabSz="914400" rtl="0" eaLnBrk="1" fontAlgn="base" latinLnBrk="0" hangingPunct="1">
+              <a:lnSpc>
+                <a:spcPct val="100000"/>
+              </a:lnSpc>
+              <a:spcBef>
+                <a:spcPct val="0"/>
+              </a:spcBef>
+              <a:spcAft>
+                <a:spcPct val="0"/>
+              </a:spcAft>
+              <a:buClrTx/>
+              <a:buSzTx/>
+              <a:buFontTx/>
+              <a:buNone/>
+              <a:tabLst/>
+            </a:pPr>
+            <a:endParaRPr kumimoji="0" lang="en-SE" sz="1800" b="0" i="0" u="none" strike="noStrike" cap="none" normalizeH="0" baseline="0">
+              <a:ln>
+                <a:noFill/>
+              </a:ln>
+              <a:solidFill>
+                <a:schemeClr val="tx1"/>
+              </a:solidFill>
+              <a:effectLst/>
+              <a:latin typeface="Arial" charset="0"/>
+            </a:endParaRPr>
+          </a:p>
+        </p:txBody>
+      </p:sp>
+      <p:cxnSp>
+        <p:nvCxnSpPr>
+          <p:cNvPr id="26" name="Straight Connector 25">
+            <a:extLst>
+              <a:ext uri="{FF2B5EF4-FFF2-40B4-BE49-F238E27FC236}">
+                <a16:creationId xmlns:a16="http://schemas.microsoft.com/office/drawing/2014/main" id="{16B84612-4DF5-48EA-B108-BDF161DB5610}"/>
+              </a:ext>
+            </a:extLst>
+          </p:cNvPr>
+          <p:cNvCxnSpPr>
+            <a:cxnSpLocks/>
+          </p:cNvCxnSpPr>
+          <p:nvPr/>
+        </p:nvCxnSpPr>
+        <p:spPr bwMode="auto">
+          <a:xfrm>
+            <a:off x="5791200" y="706739"/>
+            <a:ext cx="3181350" cy="0"/>
+          </a:xfrm>
+          <a:prstGeom prst="line">
+            <a:avLst/>
+          </a:prstGeom>
+          <a:noFill/>
+          <a:ln w="25400" cap="flat" cmpd="sng" algn="ctr">
+            <a:solidFill>
+              <a:srgbClr val="FF0000"/>
+            </a:solidFill>
+            <a:prstDash val="solid"/>
+            <a:round/>
+            <a:headEnd type="none" w="med" len="med"/>
+            <a:tailEnd type="none" w="med" len="med"/>
+          </a:ln>
+          <a:effectLst/>
+        </p:spPr>
+      </p:cxnSp>
+      <p:cxnSp>
+        <p:nvCxnSpPr>
+          <p:cNvPr id="28" name="Straight Connector 27">
+            <a:extLst>
+              <a:ext uri="{FF2B5EF4-FFF2-40B4-BE49-F238E27FC236}">
+                <a16:creationId xmlns:a16="http://schemas.microsoft.com/office/drawing/2014/main" id="{D7D5205B-EC2F-4835-85E0-F6BDF242AC88}"/>
+              </a:ext>
+            </a:extLst>
+          </p:cNvPr>
+          <p:cNvCxnSpPr>
+            <a:cxnSpLocks/>
+          </p:cNvCxnSpPr>
+          <p:nvPr/>
+        </p:nvCxnSpPr>
+        <p:spPr bwMode="auto">
+          <a:xfrm>
+            <a:off x="5791200" y="2821289"/>
+            <a:ext cx="3181350" cy="0"/>
+          </a:xfrm>
+          <a:prstGeom prst="line">
+            <a:avLst/>
+          </a:prstGeom>
+          <a:noFill/>
+          <a:ln w="25400" cap="flat" cmpd="sng" algn="ctr">
+            <a:solidFill>
+              <a:srgbClr val="FF0000"/>
+            </a:solidFill>
+            <a:prstDash val="solid"/>
+            <a:round/>
+            <a:headEnd type="none" w="med" len="med"/>
+            <a:tailEnd type="none" w="med" len="med"/>
+          </a:ln>
+          <a:effectLst/>
+        </p:spPr>
+      </p:cxnSp>
+      <p:cxnSp>
+        <p:nvCxnSpPr>
+          <p:cNvPr id="29" name="Straight Connector 28">
+            <a:extLst>
+              <a:ext uri="{FF2B5EF4-FFF2-40B4-BE49-F238E27FC236}">
+                <a16:creationId xmlns:a16="http://schemas.microsoft.com/office/drawing/2014/main" id="{90E59252-8370-43A7-83AD-014E9683A876}"/>
+              </a:ext>
+            </a:extLst>
+          </p:cNvPr>
+          <p:cNvCxnSpPr>
+            <a:cxnSpLocks/>
+          </p:cNvCxnSpPr>
+          <p:nvPr/>
+        </p:nvCxnSpPr>
+        <p:spPr bwMode="auto">
+          <a:xfrm>
+            <a:off x="5791200" y="4859410"/>
+            <a:ext cx="3181350" cy="0"/>
+          </a:xfrm>
+          <a:prstGeom prst="line">
+            <a:avLst/>
+          </a:prstGeom>
+          <a:noFill/>
+          <a:ln w="25400" cap="flat" cmpd="sng" algn="ctr">
+            <a:solidFill>
+              <a:srgbClr val="FF0000"/>
+            </a:solidFill>
+            <a:prstDash val="solid"/>
+            <a:round/>
+            <a:headEnd type="none" w="med" len="med"/>
+            <a:tailEnd type="none" w="med" len="med"/>
+          </a:ln>
+          <a:effectLst/>
+        </p:spPr>
+      </p:cxnSp>
+    </p:spTree>
+    <p:extLst>
+      <p:ext uri="{BB962C8B-B14F-4D97-AF65-F5344CB8AC3E}">
+        <p14:creationId xmlns:p14="http://schemas.microsoft.com/office/powerpoint/2010/main" val="3308350887"/>
+      </p:ext>
+    </p:extLst>
+  </p:cSld>
+  <p:clrMapOvr>
+    <a:masterClrMapping/>
+  </p:clrMapOvr>
+</p:sld>
+</file>
+
+<file path=ppt/slides/slide25.xml><?xml version="1.0" encoding="utf-8"?>
+<p:sld xmlns:a="http://schemas.openxmlformats.org/drawingml/2006/main" xmlns:r="http://schemas.openxmlformats.org/officeDocument/2006/relationships" xmlns:p="http://schemas.openxmlformats.org/presentationml/2006/main">
+  <p:cSld>
+    <p:spTree>
+      <p:nvGrpSpPr>
+        <p:cNvPr id="1" name=""/>
+        <p:cNvGrpSpPr/>
+        <p:nvPr/>
+      </p:nvGrpSpPr>
+      <p:grpSpPr>
+        <a:xfrm>
+          <a:off x="0" y="0"/>
+          <a:ext cx="0" cy="0"/>
+          <a:chOff x="0" y="0"/>
+          <a:chExt cx="0" cy="0"/>
+        </a:xfrm>
+      </p:grpSpPr>
+      <p:sp>
+        <p:nvSpPr>
           <p:cNvPr id="256002" name="Rectangle 2"/>
           <p:cNvSpPr>
             <a:spLocks noGrp="1" noChangeArrowheads="1"/>
@@ -21078,7 +21796,7 @@
                 </a:solidFill>
               </a:rPr>
               <a:pPr/>
-              <a:t>23</a:t>
+              <a:t>25</a:t>
             </a:fld>
             <a:endParaRPr lang="en-US" dirty="0">
               <a:solidFill>
@@ -21262,7 +21980,7 @@
               <a:pPr>
                 <a:defRPr/>
               </a:pPr>
-              <a:t>23</a:t>
+              <a:t>25</a:t>
             </a:fld>
             <a:endParaRPr lang="en-US" altLang="zh-CN" dirty="0"/>
           </a:p>
@@ -21277,7 +21995,7 @@
 </p:sld>
 </file>
 
-<file path=ppt/slides/slide24.xml><?xml version="1.0" encoding="utf-8"?>
+<file path=ppt/slides/slide26.xml><?xml version="1.0" encoding="utf-8"?>
 <p:sld xmlns:a="http://schemas.openxmlformats.org/drawingml/2006/main" xmlns:r="http://schemas.openxmlformats.org/officeDocument/2006/relationships" xmlns:p="http://schemas.openxmlformats.org/presentationml/2006/main">
   <p:cSld>
     <p:spTree>
@@ -21445,7 +22163,7 @@
               <a:pPr>
                 <a:defRPr/>
               </a:pPr>
-              <a:t>24</a:t>
+              <a:t>26</a:t>
             </a:fld>
             <a:endParaRPr lang="en-US" altLang="zh-CN" dirty="0"/>
           </a:p>
@@ -21464,7 +22182,7 @@
 </p:sld>
 </file>
 
-<file path=ppt/slides/slide25.xml><?xml version="1.0" encoding="utf-8"?>
+<file path=ppt/slides/slide27.xml><?xml version="1.0" encoding="utf-8"?>
 <p:sld xmlns:a="http://schemas.openxmlformats.org/drawingml/2006/main" xmlns:r="http://schemas.openxmlformats.org/officeDocument/2006/relationships" xmlns:p="http://schemas.openxmlformats.org/presentationml/2006/main">
   <p:cSld>
     <p:spTree>
@@ -21481,6 +22199,74 @@
           <a:chExt cx="0" cy="0"/>
         </a:xfrm>
       </p:grpSpPr>
+      <p:sp>
+        <p:nvSpPr>
+          <p:cNvPr id="18" name="Rectangle 17">
+            <a:extLst>
+              <a:ext uri="{FF2B5EF4-FFF2-40B4-BE49-F238E27FC236}">
+                <a16:creationId xmlns:a16="http://schemas.microsoft.com/office/drawing/2014/main" id="{5A8977FC-34B5-451B-AEFB-BB795225FBC0}"/>
+              </a:ext>
+            </a:extLst>
+          </p:cNvPr>
+          <p:cNvSpPr/>
+          <p:nvPr/>
+        </p:nvSpPr>
+        <p:spPr>
+          <a:xfrm>
+            <a:off x="1075832" y="4894312"/>
+            <a:ext cx="3797300" cy="540033"/>
+          </a:xfrm>
+          <a:prstGeom prst="rect">
+            <a:avLst/>
+          </a:prstGeom>
+          <a:solidFill>
+            <a:schemeClr val="bg1">
+              <a:lumMod val="85000"/>
+            </a:schemeClr>
+          </a:solidFill>
+          <a:ln w="19050">
+            <a:solidFill>
+              <a:srgbClr val="000000"/>
+            </a:solidFill>
+          </a:ln>
+        </p:spPr>
+        <p:style>
+          <a:lnRef idx="1">
+            <a:schemeClr val="accent3"/>
+          </a:lnRef>
+          <a:fillRef idx="3">
+            <a:schemeClr val="accent3"/>
+          </a:fillRef>
+          <a:effectRef idx="2">
+            <a:schemeClr val="accent3"/>
+          </a:effectRef>
+          <a:fontRef idx="minor">
+            <a:schemeClr val="lt1"/>
+          </a:fontRef>
+        </p:style>
+        <p:txBody>
+          <a:bodyPr anchor="ctr"/>
+          <a:lstStyle/>
+          <a:p>
+            <a:pPr algn="ctr">
+              <a:defRPr/>
+            </a:pPr>
+            <a:endParaRPr lang="en-US" dirty="0"/>
+          </a:p>
+          <a:p>
+            <a:pPr algn="ctr">
+              <a:defRPr/>
+            </a:pPr>
+            <a:endParaRPr lang="en-US" dirty="0"/>
+          </a:p>
+          <a:p>
+            <a:pPr algn="ctr">
+              <a:defRPr/>
+            </a:pPr>
+            <a:endParaRPr lang="en-US" dirty="0"/>
+          </a:p>
+        </p:txBody>
+      </p:sp>
       <p:sp>
         <p:nvSpPr>
           <p:cNvPr id="264194" name="Rectangle 2"/>
@@ -21609,7 +22395,7 @@
                 </a:solidFill>
               </a:rPr>
               <a:pPr/>
-              <a:t>25</a:t>
+              <a:t>27</a:t>
             </a:fld>
             <a:endParaRPr lang="en-US" dirty="0">
               <a:solidFill>
@@ -21827,7 +22613,7 @@
               <a:pPr>
                 <a:defRPr/>
               </a:pPr>
-              <a:t>25</a:t>
+              <a:t>27</a:t>
             </a:fld>
             <a:endParaRPr lang="en-US" altLang="zh-CN" dirty="0"/>
           </a:p>
@@ -21966,7 +22752,7 @@
         <p:spPr bwMode="auto">
           <a:xfrm>
             <a:off x="2326782" y="6166970"/>
-            <a:ext cx="1386416" cy="523875"/>
+            <a:ext cx="987918" cy="523875"/>
           </a:xfrm>
           <a:prstGeom prst="rect">
             <a:avLst/>
@@ -21996,7 +22782,7 @@
           </a:extLst>
         </p:spPr>
         <p:txBody>
-          <a:bodyPr>
+          <a:bodyPr wrap="square">
             <a:spAutoFit/>
           </a:bodyPr>
           <a:lstStyle>
@@ -22130,7 +22916,7 @@
         <p:spPr>
           <a:xfrm>
             <a:off x="1075832" y="4198470"/>
-            <a:ext cx="3797300" cy="1042987"/>
+            <a:ext cx="3797300" cy="702513"/>
           </a:xfrm>
           <a:prstGeom prst="rect">
             <a:avLst/>
@@ -22193,8 +22979,8 @@
         </p:nvSpPr>
         <p:spPr>
           <a:xfrm rot="10800000">
-            <a:off x="2631583" y="4755682"/>
-            <a:ext cx="510116" cy="455613"/>
+            <a:off x="2631582" y="4560581"/>
+            <a:ext cx="510116" cy="287546"/>
           </a:xfrm>
           <a:prstGeom prst="upArrow">
             <a:avLst/>
@@ -22247,8 +23033,8 @@
         </p:nvSpPr>
         <p:spPr bwMode="auto">
           <a:xfrm>
-            <a:off x="2282332" y="4182595"/>
-            <a:ext cx="1384300" cy="523875"/>
+            <a:off x="2327840" y="4089561"/>
+            <a:ext cx="985802" cy="523875"/>
           </a:xfrm>
           <a:prstGeom prst="rect">
             <a:avLst/>
@@ -22278,7 +23064,7 @@
           </a:extLst>
         </p:spPr>
         <p:txBody>
-          <a:bodyPr>
+          <a:bodyPr wrap="square">
             <a:spAutoFit/>
           </a:bodyPr>
           <a:lstStyle>
@@ -22391,7 +23177,7 @@
           </a:lstStyle>
           <a:p>
             <a:r>
-              <a:rPr lang="en-US" sz="2800"/>
+              <a:rPr lang="en-US" sz="2800" dirty="0"/>
               <a:t>Stack</a:t>
             </a:r>
           </a:p>
@@ -22626,7 +23412,7 @@
         </p:nvSpPr>
         <p:spPr bwMode="auto">
           <a:xfrm>
-            <a:off x="4382628" y="5445433"/>
+            <a:off x="4326571" y="5473850"/>
             <a:ext cx="1736373" cy="369332"/>
           </a:xfrm>
           <a:prstGeom prst="rect">
@@ -22776,6 +23562,172 @@
           </a:p>
         </p:txBody>
       </p:sp>
+      <p:sp>
+        <p:nvSpPr>
+          <p:cNvPr id="17" name="TextBox 22">
+            <a:extLst>
+              <a:ext uri="{FF2B5EF4-FFF2-40B4-BE49-F238E27FC236}">
+                <a16:creationId xmlns:a16="http://schemas.microsoft.com/office/drawing/2014/main" id="{E1D01DEF-B5F0-4866-827F-B6E20288FA40}"/>
+              </a:ext>
+            </a:extLst>
+          </p:cNvPr>
+          <p:cNvSpPr txBox="1">
+            <a:spLocks noChangeArrowheads="1"/>
+          </p:cNvSpPr>
+          <p:nvPr/>
+        </p:nvSpPr>
+        <p:spPr bwMode="auto">
+          <a:xfrm>
+            <a:off x="1965838" y="4891090"/>
+            <a:ext cx="1709806" cy="523220"/>
+          </a:xfrm>
+          <a:prstGeom prst="rect">
+            <a:avLst/>
+          </a:prstGeom>
+          <a:noFill/>
+          <a:ln>
+            <a:noFill/>
+          </a:ln>
+          <a:extLst>
+            <a:ext uri="{909E8E84-426E-40dd-AFC4-6F175D3DCCD1}">
+              <a14:hiddenFill xmlns="" xmlns:a14="http://schemas.microsoft.com/office/drawing/2010/main">
+                <a:solidFill>
+                  <a:srgbClr val="FFFFFF"/>
+                </a:solidFill>
+              </a14:hiddenFill>
+            </a:ext>
+            <a:ext uri="{91240B29-F687-4f45-9708-019B960494DF}">
+              <a14:hiddenLine xmlns="" xmlns:a14="http://schemas.microsoft.com/office/drawing/2010/main" w="9525">
+                <a:solidFill>
+                  <a:srgbClr val="000000"/>
+                </a:solidFill>
+                <a:miter lim="800000"/>
+                <a:headEnd/>
+                <a:tailEnd/>
+              </a14:hiddenLine>
+            </a:ext>
+          </a:extLst>
+        </p:spPr>
+        <p:txBody>
+          <a:bodyPr wrap="square">
+            <a:spAutoFit/>
+          </a:bodyPr>
+          <a:lstStyle>
+            <a:lvl1pPr>
+              <a:defRPr sz="2400">
+                <a:solidFill>
+                  <a:schemeClr val="tx1"/>
+                </a:solidFill>
+                <a:latin typeface="Times New Roman" charset="0"/>
+                <a:ea typeface="ＭＳ Ｐゴシック" charset="0"/>
+                <a:cs typeface="ＭＳ Ｐゴシック" charset="0"/>
+              </a:defRPr>
+            </a:lvl1pPr>
+            <a:lvl2pPr marL="742950" indent="-285750">
+              <a:defRPr sz="2400">
+                <a:solidFill>
+                  <a:schemeClr val="tx1"/>
+                </a:solidFill>
+                <a:latin typeface="Times New Roman" charset="0"/>
+                <a:ea typeface="ＭＳ Ｐゴシック" charset="0"/>
+              </a:defRPr>
+            </a:lvl2pPr>
+            <a:lvl3pPr marL="1143000" indent="-228600">
+              <a:defRPr sz="2400">
+                <a:solidFill>
+                  <a:schemeClr val="tx1"/>
+                </a:solidFill>
+                <a:latin typeface="Times New Roman" charset="0"/>
+                <a:ea typeface="ＭＳ Ｐゴシック" charset="0"/>
+              </a:defRPr>
+            </a:lvl3pPr>
+            <a:lvl4pPr marL="1600200" indent="-228600">
+              <a:defRPr sz="2400">
+                <a:solidFill>
+                  <a:schemeClr val="tx1"/>
+                </a:solidFill>
+                <a:latin typeface="Times New Roman" charset="0"/>
+                <a:ea typeface="ＭＳ Ｐゴシック" charset="0"/>
+              </a:defRPr>
+            </a:lvl4pPr>
+            <a:lvl5pPr marL="2057400" indent="-228600">
+              <a:defRPr sz="2400">
+                <a:solidFill>
+                  <a:schemeClr val="tx1"/>
+                </a:solidFill>
+                <a:latin typeface="Times New Roman" charset="0"/>
+                <a:ea typeface="ＭＳ Ｐゴシック" charset="0"/>
+              </a:defRPr>
+            </a:lvl5pPr>
+            <a:lvl6pPr marL="2514600" indent="-228600" eaLnBrk="0" fontAlgn="base" hangingPunct="0">
+              <a:spcBef>
+                <a:spcPct val="0"/>
+              </a:spcBef>
+              <a:spcAft>
+                <a:spcPct val="0"/>
+              </a:spcAft>
+              <a:defRPr sz="2400">
+                <a:solidFill>
+                  <a:schemeClr val="tx1"/>
+                </a:solidFill>
+                <a:latin typeface="Times New Roman" charset="0"/>
+                <a:ea typeface="ＭＳ Ｐゴシック" charset="0"/>
+              </a:defRPr>
+            </a:lvl6pPr>
+            <a:lvl7pPr marL="2971800" indent="-228600" eaLnBrk="0" fontAlgn="base" hangingPunct="0">
+              <a:spcBef>
+                <a:spcPct val="0"/>
+              </a:spcBef>
+              <a:spcAft>
+                <a:spcPct val="0"/>
+              </a:spcAft>
+              <a:defRPr sz="2400">
+                <a:solidFill>
+                  <a:schemeClr val="tx1"/>
+                </a:solidFill>
+                <a:latin typeface="Times New Roman" charset="0"/>
+                <a:ea typeface="ＭＳ Ｐゴシック" charset="0"/>
+              </a:defRPr>
+            </a:lvl7pPr>
+            <a:lvl8pPr marL="3429000" indent="-228600" eaLnBrk="0" fontAlgn="base" hangingPunct="0">
+              <a:spcBef>
+                <a:spcPct val="0"/>
+              </a:spcBef>
+              <a:spcAft>
+                <a:spcPct val="0"/>
+              </a:spcAft>
+              <a:defRPr sz="2400">
+                <a:solidFill>
+                  <a:schemeClr val="tx1"/>
+                </a:solidFill>
+                <a:latin typeface="Times New Roman" charset="0"/>
+                <a:ea typeface="ＭＳ Ｐゴシック" charset="0"/>
+              </a:defRPr>
+            </a:lvl8pPr>
+            <a:lvl9pPr marL="3886200" indent="-228600" eaLnBrk="0" fontAlgn="base" hangingPunct="0">
+              <a:spcBef>
+                <a:spcPct val="0"/>
+              </a:spcBef>
+              <a:spcAft>
+                <a:spcPct val="0"/>
+              </a:spcAft>
+              <a:defRPr sz="2400">
+                <a:solidFill>
+                  <a:schemeClr val="tx1"/>
+                </a:solidFill>
+                <a:latin typeface="Times New Roman" charset="0"/>
+                <a:ea typeface="ＭＳ Ｐゴシック" charset="0"/>
+              </a:defRPr>
+            </a:lvl9pPr>
+          </a:lstStyle>
+          <a:p>
+            <a:r>
+              <a:rPr lang="en-US" sz="2800" dirty="0"/>
+              <a:t>Large Gap</a:t>
+            </a:r>
+          </a:p>
+        </p:txBody>
+      </p:sp>
     </p:spTree>
   </p:cSld>
   <p:clrMapOvr>
@@ -22785,7 +23737,7 @@
 </p:sld>
 </file>
 
-<file path=ppt/slides/slide26.xml><?xml version="1.0" encoding="utf-8"?>
+<file path=ppt/slides/slide28.xml><?xml version="1.0" encoding="utf-8"?>
 <p:sld xmlns:a="http://schemas.openxmlformats.org/drawingml/2006/main" xmlns:r="http://schemas.openxmlformats.org/officeDocument/2006/relationships" xmlns:p="http://schemas.openxmlformats.org/presentationml/2006/main">
   <p:cSld>
     <p:spTree>
@@ -22921,7 +23873,7 @@
                 </a:solidFill>
               </a:rPr>
               <a:pPr/>
-              <a:t>26</a:t>
+              <a:t>28</a:t>
             </a:fld>
             <a:endParaRPr lang="en-US" dirty="0">
               <a:solidFill>
@@ -23273,7 +24225,7 @@
               <a:pPr>
                 <a:defRPr/>
               </a:pPr>
-              <a:t>26</a:t>
+              <a:t>28</a:t>
             </a:fld>
             <a:endParaRPr lang="en-US" altLang="zh-CN" dirty="0"/>
           </a:p>
@@ -23287,7 +24239,7 @@
 </p:sld>
 </file>
 
-<file path=ppt/slides/slide27.xml><?xml version="1.0" encoding="utf-8"?>
+<file path=ppt/slides/slide29.xml><?xml version="1.0" encoding="utf-8"?>
 <p:sld xmlns:a="http://schemas.openxmlformats.org/drawingml/2006/main" xmlns:r="http://schemas.openxmlformats.org/officeDocument/2006/relationships" xmlns:p="http://schemas.openxmlformats.org/presentationml/2006/main">
   <p:cSld>
     <p:spTree>
@@ -23404,7 +24356,7 @@
               <a:pPr>
                 <a:defRPr/>
               </a:pPr>
-              <a:t>27</a:t>
+              <a:t>29</a:t>
             </a:fld>
             <a:endParaRPr lang="en-US" altLang="zh-CN" dirty="0"/>
           </a:p>

--- a/InfoSec/PPTs/L11-CH10-Buffer Overflow.pptx
+++ b/InfoSec/PPTs/L11-CH10-Buffer Overflow.pptx
@@ -333,7 +333,7 @@
             <a:fld id="{999DDEF9-8F79-3F4A-8C1A-CB2E900DCD92}" type="datetimeFigureOut">
               <a:rPr lang="en-US" smtClean="0"/>
               <a:pPr/>
-              <a:t>4/26/2020</a:t>
+              <a:t>5/28/2020</a:t>
             </a:fld>
             <a:endParaRPr lang="en-US"/>
           </a:p>
@@ -22763,14 +22763,14 @@
           </a:ln>
           <a:extLst>
             <a:ext uri="{909E8E84-426E-40dd-AFC4-6F175D3DCCD1}">
-              <a14:hiddenFill xmlns="" xmlns:a14="http://schemas.microsoft.com/office/drawing/2010/main">
+              <a14:hiddenFill xmlns:a14="http://schemas.microsoft.com/office/drawing/2010/main" xmlns="">
                 <a:solidFill>
                   <a:srgbClr val="FFFFFF"/>
                 </a:solidFill>
               </a14:hiddenFill>
             </a:ext>
             <a:ext uri="{91240B29-F687-4f45-9708-019B960494DF}">
-              <a14:hiddenLine xmlns="" xmlns:a14="http://schemas.microsoft.com/office/drawing/2010/main" w="9525">
+              <a14:hiddenLine xmlns:a14="http://schemas.microsoft.com/office/drawing/2010/main" xmlns="" w="9525">
                 <a:solidFill>
                   <a:srgbClr val="000000"/>
                 </a:solidFill>
@@ -23045,14 +23045,14 @@
           </a:ln>
           <a:extLst>
             <a:ext uri="{909E8E84-426E-40dd-AFC4-6F175D3DCCD1}">
-              <a14:hiddenFill xmlns="" xmlns:a14="http://schemas.microsoft.com/office/drawing/2010/main">
+              <a14:hiddenFill xmlns:a14="http://schemas.microsoft.com/office/drawing/2010/main" xmlns="">
                 <a:solidFill>
                   <a:srgbClr val="FFFFFF"/>
                 </a:solidFill>
               </a14:hiddenFill>
             </a:ext>
             <a:ext uri="{91240B29-F687-4f45-9708-019B960494DF}">
-              <a14:hiddenLine xmlns="" xmlns:a14="http://schemas.microsoft.com/office/drawing/2010/main" w="9525">
+              <a14:hiddenLine xmlns:a14="http://schemas.microsoft.com/office/drawing/2010/main" xmlns="" w="9525">
                 <a:solidFill>
                   <a:srgbClr val="000000"/>
                 </a:solidFill>
@@ -23424,14 +23424,14 @@
           </a:ln>
           <a:extLst>
             <a:ext uri="{909E8E84-426E-40dd-AFC4-6F175D3DCCD1}">
-              <a14:hiddenFill xmlns="" xmlns:a14="http://schemas.microsoft.com/office/drawing/2010/main">
+              <a14:hiddenFill xmlns:a14="http://schemas.microsoft.com/office/drawing/2010/main" xmlns="">
                 <a:solidFill>
                   <a:srgbClr val="FFFFFF"/>
                 </a:solidFill>
               </a14:hiddenFill>
             </a:ext>
             <a:ext uri="{91240B29-F687-4f45-9708-019B960494DF}">
-              <a14:hiddenLine xmlns="" xmlns:a14="http://schemas.microsoft.com/office/drawing/2010/main" w="9525">
+              <a14:hiddenLine xmlns:a14="http://schemas.microsoft.com/office/drawing/2010/main" xmlns="" w="9525">
                 <a:solidFill>
                   <a:srgbClr val="000000"/>
                 </a:solidFill>
@@ -23590,14 +23590,14 @@
           </a:ln>
           <a:extLst>
             <a:ext uri="{909E8E84-426E-40dd-AFC4-6F175D3DCCD1}">
-              <a14:hiddenFill xmlns="" xmlns:a14="http://schemas.microsoft.com/office/drawing/2010/main">
+              <a14:hiddenFill xmlns:a14="http://schemas.microsoft.com/office/drawing/2010/main" xmlns="">
                 <a:solidFill>
                   <a:srgbClr val="FFFFFF"/>
                 </a:solidFill>
               </a14:hiddenFill>
             </a:ext>
             <a:ext uri="{91240B29-F687-4f45-9708-019B960494DF}">
-              <a14:hiddenLine xmlns="" xmlns:a14="http://schemas.microsoft.com/office/drawing/2010/main" w="9525">
+              <a14:hiddenLine xmlns:a14="http://schemas.microsoft.com/office/drawing/2010/main" xmlns="" w="9525">
                 <a:solidFill>
                   <a:srgbClr val="000000"/>
                 </a:solidFill>
@@ -25820,7 +25820,7 @@
             </a:pPr>
             <a:r>
               <a:rPr lang="en-US" sz="3200" dirty="0"/>
-              <a:t>Occur when buffer is located on </a:t>
+              <a:t>Occurs when buffer is located on </a:t>
             </a:r>
             <a:r>
               <a:rPr lang="en-US" altLang="zh-CN" sz="3200" dirty="0"/>
@@ -25868,18 +25868,7 @@
             </a:pPr>
             <a:r>
               <a:rPr lang="en-US" sz="2400" dirty="0"/>
-              <a:t>In function calls</a:t>
-            </a:r>
-          </a:p>
-          <a:p>
-            <a:pPr lvl="1">
-              <a:lnSpc>
-                <a:spcPct val="90000"/>
-              </a:lnSpc>
-            </a:pPr>
-            <a:r>
-              <a:rPr lang="en-US" sz="2400" dirty="0"/>
-              <a:t>For allocation of memory in the stack frame for</a:t>
+              <a:t>In function calls for allocation of memory in the stack frame for</a:t>
             </a:r>
           </a:p>
           <a:p>

--- a/InfoSec/PPTs/L11-CH10-Buffer Overflow.pptx
+++ b/InfoSec/PPTs/L11-CH10-Buffer Overflow.pptx
@@ -15987,30 +15987,12 @@
               <a:t>Input </a:t>
             </a:r>
             <a:r>
-              <a:rPr lang="en-US" sz="1800" dirty="0" err="1">
-                <a:latin typeface="Courier New" panose="02070309020205020404" pitchFamily="49" charset="0"/>
-                <a:cs typeface="Courier New" panose="02070309020205020404" pitchFamily="49" charset="0"/>
-              </a:rPr>
-              <a:t>argv</a:t>
-            </a:r>
-            <a:r>
-              <a:rPr lang="en-US" sz="1800" dirty="0">
-                <a:latin typeface="Courier New" panose="02070309020205020404" pitchFamily="49" charset="0"/>
-                <a:cs typeface="Courier New" panose="02070309020205020404" pitchFamily="49" charset="0"/>
-              </a:rPr>
-              <a:t>[]</a:t>
-            </a:r>
-            <a:r>
-              <a:rPr lang="en-US" sz="1800" kern="0" dirty="0"/>
-              <a:t>larger than 12 B will cause stack overflow in gets(</a:t>
-            </a:r>
-            <a:r>
               <a:rPr lang="en-US" sz="1800" kern="0" dirty="0" err="1"/>
               <a:t>pwdstr</a:t>
             </a:r>
             <a:r>
               <a:rPr lang="en-US" sz="1800" kern="0" dirty="0"/>
-              <a:t>) and overwrite </a:t>
+              <a:t> larger than 12 B will cause stack overflow and may overwrite </a:t>
             </a:r>
             <a:r>
               <a:rPr lang="en-US" sz="1800" kern="0" dirty="0" err="1"/>
@@ -22763,14 +22745,14 @@
           </a:ln>
           <a:extLst>
             <a:ext uri="{909E8E84-426E-40dd-AFC4-6F175D3DCCD1}">
-              <a14:hiddenFill xmlns:a14="http://schemas.microsoft.com/office/drawing/2010/main" xmlns="">
+              <a14:hiddenFill xmlns="" xmlns:a14="http://schemas.microsoft.com/office/drawing/2010/main">
                 <a:solidFill>
                   <a:srgbClr val="FFFFFF"/>
                 </a:solidFill>
               </a14:hiddenFill>
             </a:ext>
             <a:ext uri="{91240B29-F687-4f45-9708-019B960494DF}">
-              <a14:hiddenLine xmlns:a14="http://schemas.microsoft.com/office/drawing/2010/main" xmlns="" w="9525">
+              <a14:hiddenLine xmlns="" xmlns:a14="http://schemas.microsoft.com/office/drawing/2010/main" w="9525">
                 <a:solidFill>
                   <a:srgbClr val="000000"/>
                 </a:solidFill>
@@ -23045,14 +23027,14 @@
           </a:ln>
           <a:extLst>
             <a:ext uri="{909E8E84-426E-40dd-AFC4-6F175D3DCCD1}">
-              <a14:hiddenFill xmlns:a14="http://schemas.microsoft.com/office/drawing/2010/main" xmlns="">
+              <a14:hiddenFill xmlns="" xmlns:a14="http://schemas.microsoft.com/office/drawing/2010/main">
                 <a:solidFill>
                   <a:srgbClr val="FFFFFF"/>
                 </a:solidFill>
               </a14:hiddenFill>
             </a:ext>
             <a:ext uri="{91240B29-F687-4f45-9708-019B960494DF}">
-              <a14:hiddenLine xmlns:a14="http://schemas.microsoft.com/office/drawing/2010/main" xmlns="" w="9525">
+              <a14:hiddenLine xmlns="" xmlns:a14="http://schemas.microsoft.com/office/drawing/2010/main" w="9525">
                 <a:solidFill>
                   <a:srgbClr val="000000"/>
                 </a:solidFill>
@@ -23424,14 +23406,14 @@
           </a:ln>
           <a:extLst>
             <a:ext uri="{909E8E84-426E-40dd-AFC4-6F175D3DCCD1}">
-              <a14:hiddenFill xmlns:a14="http://schemas.microsoft.com/office/drawing/2010/main" xmlns="">
+              <a14:hiddenFill xmlns="" xmlns:a14="http://schemas.microsoft.com/office/drawing/2010/main">
                 <a:solidFill>
                   <a:srgbClr val="FFFFFF"/>
                 </a:solidFill>
               </a14:hiddenFill>
             </a:ext>
             <a:ext uri="{91240B29-F687-4f45-9708-019B960494DF}">
-              <a14:hiddenLine xmlns:a14="http://schemas.microsoft.com/office/drawing/2010/main" xmlns="" w="9525">
+              <a14:hiddenLine xmlns="" xmlns:a14="http://schemas.microsoft.com/office/drawing/2010/main" w="9525">
                 <a:solidFill>
                   <a:srgbClr val="000000"/>
                 </a:solidFill>
@@ -23590,14 +23572,14 @@
           </a:ln>
           <a:extLst>
             <a:ext uri="{909E8E84-426E-40dd-AFC4-6F175D3DCCD1}">
-              <a14:hiddenFill xmlns:a14="http://schemas.microsoft.com/office/drawing/2010/main" xmlns="">
+              <a14:hiddenFill xmlns="" xmlns:a14="http://schemas.microsoft.com/office/drawing/2010/main">
                 <a:solidFill>
                   <a:srgbClr val="FFFFFF"/>
                 </a:solidFill>
               </a14:hiddenFill>
             </a:ext>
             <a:ext uri="{91240B29-F687-4f45-9708-019B960494DF}">
-              <a14:hiddenLine xmlns:a14="http://schemas.microsoft.com/office/drawing/2010/main" xmlns="" w="9525">
+              <a14:hiddenLine xmlns="" xmlns:a14="http://schemas.microsoft.com/office/drawing/2010/main" w="9525">
                 <a:solidFill>
                   <a:srgbClr val="000000"/>
                 </a:solidFill>
@@ -26501,7 +26483,7 @@
                 <a:latin typeface="Courier New" pitchFamily="49" charset="0"/>
                 <a:cs typeface="Courier New" pitchFamily="49" charset="0"/>
               </a:rPr>
-              <a:t>   return 0;</a:t>
+              <a:t>return 0;</a:t>
             </a:r>
           </a:p>
           <a:p>

--- a/InfoSec/PPTs/L11-CH10-Buffer Overflow.pptx
+++ b/InfoSec/PPTs/L11-CH10-Buffer Overflow.pptx
@@ -333,7 +333,7 @@
             <a:fld id="{999DDEF9-8F79-3F4A-8C1A-CB2E900DCD92}" type="datetimeFigureOut">
               <a:rPr lang="en-US" smtClean="0"/>
               <a:pPr/>
-              <a:t>5/28/2020</a:t>
+              <a:t>5/4/2021</a:t>
             </a:fld>
             <a:endParaRPr lang="en-US"/>
           </a:p>
@@ -14927,7 +14927,15 @@
           <a:p>
             <a:r>
               <a:rPr lang="en-US" dirty="0"/>
-              <a:t>ZJU 2020</a:t>
+              <a:t>ZJU </a:t>
+            </a:r>
+            <a:r>
+              <a:rPr lang="en-US" dirty="0" smtClean="0"/>
+              <a:t>202</a:t>
+            </a:r>
+            <a:r>
+              <a:rPr lang="en-SE" smtClean="0"/>
+              <a:t>1</a:t>
             </a:r>
             <a:endParaRPr lang="en-SE" dirty="0"/>
           </a:p>
@@ -22745,14 +22753,14 @@
           </a:ln>
           <a:extLst>
             <a:ext uri="{909E8E84-426E-40dd-AFC4-6F175D3DCCD1}">
-              <a14:hiddenFill xmlns="" xmlns:a14="http://schemas.microsoft.com/office/drawing/2010/main">
+              <a14:hiddenFill xmlns:a14="http://schemas.microsoft.com/office/drawing/2010/main" xmlns="">
                 <a:solidFill>
                   <a:srgbClr val="FFFFFF"/>
                 </a:solidFill>
               </a14:hiddenFill>
             </a:ext>
             <a:ext uri="{91240B29-F687-4f45-9708-019B960494DF}">
-              <a14:hiddenLine xmlns="" xmlns:a14="http://schemas.microsoft.com/office/drawing/2010/main" w="9525">
+              <a14:hiddenLine xmlns:a14="http://schemas.microsoft.com/office/drawing/2010/main" xmlns="" w="9525">
                 <a:solidFill>
                   <a:srgbClr val="000000"/>
                 </a:solidFill>
@@ -23027,14 +23035,14 @@
           </a:ln>
           <a:extLst>
             <a:ext uri="{909E8E84-426E-40dd-AFC4-6F175D3DCCD1}">
-              <a14:hiddenFill xmlns="" xmlns:a14="http://schemas.microsoft.com/office/drawing/2010/main">
+              <a14:hiddenFill xmlns:a14="http://schemas.microsoft.com/office/drawing/2010/main" xmlns="">
                 <a:solidFill>
                   <a:srgbClr val="FFFFFF"/>
                 </a:solidFill>
               </a14:hiddenFill>
             </a:ext>
             <a:ext uri="{91240B29-F687-4f45-9708-019B960494DF}">
-              <a14:hiddenLine xmlns="" xmlns:a14="http://schemas.microsoft.com/office/drawing/2010/main" w="9525">
+              <a14:hiddenLine xmlns:a14="http://schemas.microsoft.com/office/drawing/2010/main" xmlns="" w="9525">
                 <a:solidFill>
                   <a:srgbClr val="000000"/>
                 </a:solidFill>
@@ -23406,14 +23414,14 @@
           </a:ln>
           <a:extLst>
             <a:ext uri="{909E8E84-426E-40dd-AFC4-6F175D3DCCD1}">
-              <a14:hiddenFill xmlns="" xmlns:a14="http://schemas.microsoft.com/office/drawing/2010/main">
+              <a14:hiddenFill xmlns:a14="http://schemas.microsoft.com/office/drawing/2010/main" xmlns="">
                 <a:solidFill>
                   <a:srgbClr val="FFFFFF"/>
                 </a:solidFill>
               </a14:hiddenFill>
             </a:ext>
             <a:ext uri="{91240B29-F687-4f45-9708-019B960494DF}">
-              <a14:hiddenLine xmlns="" xmlns:a14="http://schemas.microsoft.com/office/drawing/2010/main" w="9525">
+              <a14:hiddenLine xmlns:a14="http://schemas.microsoft.com/office/drawing/2010/main" xmlns="" w="9525">
                 <a:solidFill>
                   <a:srgbClr val="000000"/>
                 </a:solidFill>
@@ -23572,14 +23580,14 @@
           </a:ln>
           <a:extLst>
             <a:ext uri="{909E8E84-426E-40dd-AFC4-6F175D3DCCD1}">
-              <a14:hiddenFill xmlns="" xmlns:a14="http://schemas.microsoft.com/office/drawing/2010/main">
+              <a14:hiddenFill xmlns:a14="http://schemas.microsoft.com/office/drawing/2010/main" xmlns="">
                 <a:solidFill>
                   <a:srgbClr val="FFFFFF"/>
                 </a:solidFill>
               </a14:hiddenFill>
             </a:ext>
             <a:ext uri="{91240B29-F687-4f45-9708-019B960494DF}">
-              <a14:hiddenLine xmlns="" xmlns:a14="http://schemas.microsoft.com/office/drawing/2010/main" w="9525">
+              <a14:hiddenLine xmlns:a14="http://schemas.microsoft.com/office/drawing/2010/main" xmlns="" w="9525">
                 <a:solidFill>
                   <a:srgbClr val="000000"/>
                 </a:solidFill>

--- a/InfoSec/PPTs/L11-CH10-Buffer Overflow.pptx
+++ b/InfoSec/PPTs/L11-CH10-Buffer Overflow.pptx
@@ -333,7 +333,7 @@
             <a:fld id="{999DDEF9-8F79-3F4A-8C1A-CB2E900DCD92}" type="datetimeFigureOut">
               <a:rPr lang="en-US" smtClean="0"/>
               <a:pPr/>
-              <a:t>5/28/2020</a:t>
+              <a:t>5/4/2021</a:t>
             </a:fld>
             <a:endParaRPr lang="en-US"/>
           </a:p>
@@ -14926,8 +14926,8 @@
           <a:lstStyle/>
           <a:p>
             <a:r>
-              <a:rPr lang="en-US" dirty="0"/>
-              <a:t>ZJU 2020</a:t>
+              <a:rPr lang="en-US"/>
+              <a:t>ZJU 2021</a:t>
             </a:r>
             <a:endParaRPr lang="en-SE" dirty="0"/>
           </a:p>
@@ -22745,14 +22745,14 @@
           </a:ln>
           <a:extLst>
             <a:ext uri="{909E8E84-426E-40dd-AFC4-6F175D3DCCD1}">
-              <a14:hiddenFill xmlns="" xmlns:a14="http://schemas.microsoft.com/office/drawing/2010/main">
+              <a14:hiddenFill xmlns:a14="http://schemas.microsoft.com/office/drawing/2010/main" xmlns="">
                 <a:solidFill>
                   <a:srgbClr val="FFFFFF"/>
                 </a:solidFill>
               </a14:hiddenFill>
             </a:ext>
             <a:ext uri="{91240B29-F687-4f45-9708-019B960494DF}">
-              <a14:hiddenLine xmlns="" xmlns:a14="http://schemas.microsoft.com/office/drawing/2010/main" w="9525">
+              <a14:hiddenLine xmlns:a14="http://schemas.microsoft.com/office/drawing/2010/main" xmlns="" w="9525">
                 <a:solidFill>
                   <a:srgbClr val="000000"/>
                 </a:solidFill>
@@ -23027,14 +23027,14 @@
           </a:ln>
           <a:extLst>
             <a:ext uri="{909E8E84-426E-40dd-AFC4-6F175D3DCCD1}">
-              <a14:hiddenFill xmlns="" xmlns:a14="http://schemas.microsoft.com/office/drawing/2010/main">
+              <a14:hiddenFill xmlns:a14="http://schemas.microsoft.com/office/drawing/2010/main" xmlns="">
                 <a:solidFill>
                   <a:srgbClr val="FFFFFF"/>
                 </a:solidFill>
               </a14:hiddenFill>
             </a:ext>
             <a:ext uri="{91240B29-F687-4f45-9708-019B960494DF}">
-              <a14:hiddenLine xmlns="" xmlns:a14="http://schemas.microsoft.com/office/drawing/2010/main" w="9525">
+              <a14:hiddenLine xmlns:a14="http://schemas.microsoft.com/office/drawing/2010/main" xmlns="" w="9525">
                 <a:solidFill>
                   <a:srgbClr val="000000"/>
                 </a:solidFill>
@@ -23406,14 +23406,14 @@
           </a:ln>
           <a:extLst>
             <a:ext uri="{909E8E84-426E-40dd-AFC4-6F175D3DCCD1}">
-              <a14:hiddenFill xmlns="" xmlns:a14="http://schemas.microsoft.com/office/drawing/2010/main">
+              <a14:hiddenFill xmlns:a14="http://schemas.microsoft.com/office/drawing/2010/main" xmlns="">
                 <a:solidFill>
                   <a:srgbClr val="FFFFFF"/>
                 </a:solidFill>
               </a14:hiddenFill>
             </a:ext>
             <a:ext uri="{91240B29-F687-4f45-9708-019B960494DF}">
-              <a14:hiddenLine xmlns="" xmlns:a14="http://schemas.microsoft.com/office/drawing/2010/main" w="9525">
+              <a14:hiddenLine xmlns:a14="http://schemas.microsoft.com/office/drawing/2010/main" xmlns="" w="9525">
                 <a:solidFill>
                   <a:srgbClr val="000000"/>
                 </a:solidFill>
@@ -23572,14 +23572,14 @@
           </a:ln>
           <a:extLst>
             <a:ext uri="{909E8E84-426E-40dd-AFC4-6F175D3DCCD1}">
-              <a14:hiddenFill xmlns="" xmlns:a14="http://schemas.microsoft.com/office/drawing/2010/main">
+              <a14:hiddenFill xmlns:a14="http://schemas.microsoft.com/office/drawing/2010/main" xmlns="">
                 <a:solidFill>
                   <a:srgbClr val="FFFFFF"/>
                 </a:solidFill>
               </a14:hiddenFill>
             </a:ext>
             <a:ext uri="{91240B29-F687-4f45-9708-019B960494DF}">
-              <a14:hiddenLine xmlns="" xmlns:a14="http://schemas.microsoft.com/office/drawing/2010/main" w="9525">
+              <a14:hiddenLine xmlns:a14="http://schemas.microsoft.com/office/drawing/2010/main" xmlns="" w="9525">
                 <a:solidFill>
                   <a:srgbClr val="000000"/>
                 </a:solidFill>

--- a/InfoSec/PPTs/L11-CH10-Buffer Overflow.pptx
+++ b/InfoSec/PPTs/L11-CH10-Buffer Overflow.pptx
@@ -333,7 +333,7 @@
             <a:fld id="{999DDEF9-8F79-3F4A-8C1A-CB2E900DCD92}" type="datetimeFigureOut">
               <a:rPr lang="en-US" smtClean="0"/>
               <a:pPr/>
-              <a:t>5/4/2021</a:t>
+              <a:t>3/24/2022</a:t>
             </a:fld>
             <a:endParaRPr lang="en-US"/>
           </a:p>
@@ -14926,10 +14926,17 @@
           <a:lstStyle/>
           <a:p>
             <a:r>
-              <a:rPr lang="en-US"/>
-              <a:t>ZJU 2021</a:t>
-            </a:r>
-            <a:endParaRPr lang="en-SE" dirty="0"/>
+              <a:rPr lang="en-US" altLang="zh-CN" kern="0" dirty="0"/>
+              <a:t>Zonghua Gu</a:t>
+            </a:r>
+            <a:endParaRPr lang="en-US" kern="0" dirty="0"/>
+          </a:p>
+          <a:p>
+            <a:r>
+              <a:rPr lang="en-US" kern="0"/>
+              <a:t>2018, ZJU</a:t>
+            </a:r>
+            <a:endParaRPr lang="en-SE" kern="0" dirty="0"/>
           </a:p>
         </p:txBody>
       </p:sp>
@@ -22745,14 +22752,14 @@
           </a:ln>
           <a:extLst>
             <a:ext uri="{909E8E84-426E-40dd-AFC4-6F175D3DCCD1}">
-              <a14:hiddenFill xmlns:a14="http://schemas.microsoft.com/office/drawing/2010/main" xmlns="">
+              <a14:hiddenFill xmlns="" xmlns:a14="http://schemas.microsoft.com/office/drawing/2010/main">
                 <a:solidFill>
                   <a:srgbClr val="FFFFFF"/>
                 </a:solidFill>
               </a14:hiddenFill>
             </a:ext>
             <a:ext uri="{91240B29-F687-4f45-9708-019B960494DF}">
-              <a14:hiddenLine xmlns:a14="http://schemas.microsoft.com/office/drawing/2010/main" xmlns="" w="9525">
+              <a14:hiddenLine xmlns="" xmlns:a14="http://schemas.microsoft.com/office/drawing/2010/main" w="9525">
                 <a:solidFill>
                   <a:srgbClr val="000000"/>
                 </a:solidFill>
@@ -23027,14 +23034,14 @@
           </a:ln>
           <a:extLst>
             <a:ext uri="{909E8E84-426E-40dd-AFC4-6F175D3DCCD1}">
-              <a14:hiddenFill xmlns:a14="http://schemas.microsoft.com/office/drawing/2010/main" xmlns="">
+              <a14:hiddenFill xmlns="" xmlns:a14="http://schemas.microsoft.com/office/drawing/2010/main">
                 <a:solidFill>
                   <a:srgbClr val="FFFFFF"/>
                 </a:solidFill>
               </a14:hiddenFill>
             </a:ext>
             <a:ext uri="{91240B29-F687-4f45-9708-019B960494DF}">
-              <a14:hiddenLine xmlns:a14="http://schemas.microsoft.com/office/drawing/2010/main" xmlns="" w="9525">
+              <a14:hiddenLine xmlns="" xmlns:a14="http://schemas.microsoft.com/office/drawing/2010/main" w="9525">
                 <a:solidFill>
                   <a:srgbClr val="000000"/>
                 </a:solidFill>
@@ -23406,14 +23413,14 @@
           </a:ln>
           <a:extLst>
             <a:ext uri="{909E8E84-426E-40dd-AFC4-6F175D3DCCD1}">
-              <a14:hiddenFill xmlns:a14="http://schemas.microsoft.com/office/drawing/2010/main" xmlns="">
+              <a14:hiddenFill xmlns="" xmlns:a14="http://schemas.microsoft.com/office/drawing/2010/main">
                 <a:solidFill>
                   <a:srgbClr val="FFFFFF"/>
                 </a:solidFill>
               </a14:hiddenFill>
             </a:ext>
             <a:ext uri="{91240B29-F687-4f45-9708-019B960494DF}">
-              <a14:hiddenLine xmlns:a14="http://schemas.microsoft.com/office/drawing/2010/main" xmlns="" w="9525">
+              <a14:hiddenLine xmlns="" xmlns:a14="http://schemas.microsoft.com/office/drawing/2010/main" w="9525">
                 <a:solidFill>
                   <a:srgbClr val="000000"/>
                 </a:solidFill>
@@ -23572,14 +23579,14 @@
           </a:ln>
           <a:extLst>
             <a:ext uri="{909E8E84-426E-40dd-AFC4-6F175D3DCCD1}">
-              <a14:hiddenFill xmlns:a14="http://schemas.microsoft.com/office/drawing/2010/main" xmlns="">
+              <a14:hiddenFill xmlns="" xmlns:a14="http://schemas.microsoft.com/office/drawing/2010/main">
                 <a:solidFill>
                   <a:srgbClr val="FFFFFF"/>
                 </a:solidFill>
               </a14:hiddenFill>
             </a:ext>
             <a:ext uri="{91240B29-F687-4f45-9708-019B960494DF}">
-              <a14:hiddenLine xmlns:a14="http://schemas.microsoft.com/office/drawing/2010/main" xmlns="" w="9525">
+              <a14:hiddenLine xmlns="" xmlns:a14="http://schemas.microsoft.com/office/drawing/2010/main" w="9525">
                 <a:solidFill>
                   <a:srgbClr val="000000"/>
                 </a:solidFill>

--- a/InfoSec/PPTs/L11-CH10-Buffer Overflow.pptx
+++ b/InfoSec/PPTs/L11-CH10-Buffer Overflow.pptx
@@ -333,7 +333,7 @@
             <a:fld id="{999DDEF9-8F79-3F4A-8C1A-CB2E900DCD92}" type="datetimeFigureOut">
               <a:rPr lang="en-US" smtClean="0"/>
               <a:pPr/>
-              <a:t>3/24/2022</a:t>
+              <a:t>3/27/2022</a:t>
             </a:fld>
             <a:endParaRPr lang="en-US"/>
           </a:p>
@@ -14934,7 +14934,11 @@
           <a:p>
             <a:r>
               <a:rPr lang="en-US" kern="0"/>
-              <a:t>2018, ZJU</a:t>
+              <a:t>2017, </a:t>
+            </a:r>
+            <a:r>
+              <a:rPr lang="en-US" kern="0" dirty="0"/>
+              <a:t>ZJU</a:t>
             </a:r>
             <a:endParaRPr lang="en-SE" kern="0" dirty="0"/>
           </a:p>
@@ -22752,14 +22756,14 @@
           </a:ln>
           <a:extLst>
             <a:ext uri="{909E8E84-426E-40dd-AFC4-6F175D3DCCD1}">
-              <a14:hiddenFill xmlns="" xmlns:a14="http://schemas.microsoft.com/office/drawing/2010/main">
+              <a14:hiddenFill xmlns:a14="http://schemas.microsoft.com/office/drawing/2010/main" xmlns="">
                 <a:solidFill>
                   <a:srgbClr val="FFFFFF"/>
                 </a:solidFill>
               </a14:hiddenFill>
             </a:ext>
             <a:ext uri="{91240B29-F687-4f45-9708-019B960494DF}">
-              <a14:hiddenLine xmlns="" xmlns:a14="http://schemas.microsoft.com/office/drawing/2010/main" w="9525">
+              <a14:hiddenLine xmlns:a14="http://schemas.microsoft.com/office/drawing/2010/main" xmlns="" w="9525">
                 <a:solidFill>
                   <a:srgbClr val="000000"/>
                 </a:solidFill>
@@ -23034,14 +23038,14 @@
           </a:ln>
           <a:extLst>
             <a:ext uri="{909E8E84-426E-40dd-AFC4-6F175D3DCCD1}">
-              <a14:hiddenFill xmlns="" xmlns:a14="http://schemas.microsoft.com/office/drawing/2010/main">
+              <a14:hiddenFill xmlns:a14="http://schemas.microsoft.com/office/drawing/2010/main" xmlns="">
                 <a:solidFill>
                   <a:srgbClr val="FFFFFF"/>
                 </a:solidFill>
               </a14:hiddenFill>
             </a:ext>
             <a:ext uri="{91240B29-F687-4f45-9708-019B960494DF}">
-              <a14:hiddenLine xmlns="" xmlns:a14="http://schemas.microsoft.com/office/drawing/2010/main" w="9525">
+              <a14:hiddenLine xmlns:a14="http://schemas.microsoft.com/office/drawing/2010/main" xmlns="" w="9525">
                 <a:solidFill>
                   <a:srgbClr val="000000"/>
                 </a:solidFill>
@@ -23413,14 +23417,14 @@
           </a:ln>
           <a:extLst>
             <a:ext uri="{909E8E84-426E-40dd-AFC4-6F175D3DCCD1}">
-              <a14:hiddenFill xmlns="" xmlns:a14="http://schemas.microsoft.com/office/drawing/2010/main">
+              <a14:hiddenFill xmlns:a14="http://schemas.microsoft.com/office/drawing/2010/main" xmlns="">
                 <a:solidFill>
                   <a:srgbClr val="FFFFFF"/>
                 </a:solidFill>
               </a14:hiddenFill>
             </a:ext>
             <a:ext uri="{91240B29-F687-4f45-9708-019B960494DF}">
-              <a14:hiddenLine xmlns="" xmlns:a14="http://schemas.microsoft.com/office/drawing/2010/main" w="9525">
+              <a14:hiddenLine xmlns:a14="http://schemas.microsoft.com/office/drawing/2010/main" xmlns="" w="9525">
                 <a:solidFill>
                   <a:srgbClr val="000000"/>
                 </a:solidFill>
@@ -23579,14 +23583,14 @@
           </a:ln>
           <a:extLst>
             <a:ext uri="{909E8E84-426E-40dd-AFC4-6F175D3DCCD1}">
-              <a14:hiddenFill xmlns="" xmlns:a14="http://schemas.microsoft.com/office/drawing/2010/main">
+              <a14:hiddenFill xmlns:a14="http://schemas.microsoft.com/office/drawing/2010/main" xmlns="">
                 <a:solidFill>
                   <a:srgbClr val="FFFFFF"/>
                 </a:solidFill>
               </a14:hiddenFill>
             </a:ext>
             <a:ext uri="{91240B29-F687-4f45-9708-019B960494DF}">
-              <a14:hiddenLine xmlns="" xmlns:a14="http://schemas.microsoft.com/office/drawing/2010/main" w="9525">
+              <a14:hiddenLine xmlns:a14="http://schemas.microsoft.com/office/drawing/2010/main" xmlns="" w="9525">
                 <a:solidFill>
                   <a:srgbClr val="000000"/>
                 </a:solidFill>
